--- a/Progress Presentation_Amarjeet.pptx
+++ b/Progress Presentation_Amarjeet.pptx
@@ -5,25 +5,28 @@
     <p:sldMasterId id="2147483659" r:id="rId1"/>
   </p:sldMasterIdLst>
   <p:notesMasterIdLst>
-    <p:notesMasterId r:id="rId10"/>
+    <p:notesMasterId r:id="rId13"/>
   </p:notesMasterIdLst>
   <p:sldIdLst>
     <p:sldId id="256" r:id="rId2"/>
     <p:sldId id="257" r:id="rId3"/>
     <p:sldId id="258" r:id="rId4"/>
-    <p:sldId id="261" r:id="rId5"/>
-    <p:sldId id="262" r:id="rId6"/>
-    <p:sldId id="263" r:id="rId7"/>
-    <p:sldId id="265" r:id="rId8"/>
-    <p:sldId id="270" r:id="rId9"/>
+    <p:sldId id="262" r:id="rId5"/>
+    <p:sldId id="261" r:id="rId6"/>
+    <p:sldId id="272" r:id="rId7"/>
+    <p:sldId id="263" r:id="rId8"/>
+    <p:sldId id="273" r:id="rId9"/>
+    <p:sldId id="265" r:id="rId10"/>
+    <p:sldId id="274" r:id="rId11"/>
+    <p:sldId id="270" r:id="rId12"/>
   </p:sldIdLst>
   <p:sldSz cx="9144000" cy="5143500" type="screen16x9"/>
   <p:notesSz cx="6858000" cy="9144000"/>
   <p:embeddedFontLst>
     <p:embeddedFont>
       <p:font typeface="Merriweather Black" panose="00000A00000000000000" pitchFamily="2" charset="0"/>
-      <p:bold r:id="rId11"/>
-      <p:boldItalic r:id="rId12"/>
+      <p:bold r:id="rId14"/>
+      <p:boldItalic r:id="rId15"/>
     </p:embeddedFont>
   </p:embeddedFontLst>
   <p:defaultTextStyle>
@@ -819,6 +822,219 @@
 </p:notes>
 </file>
 
+<file path=ppt/notesSlides/notesSlide10.xml><?xml version="1.0" encoding="utf-8"?>
+<p:notes xmlns:a="http://schemas.openxmlformats.org/drawingml/2006/main" xmlns:r="http://schemas.openxmlformats.org/officeDocument/2006/relationships" xmlns:p="http://schemas.openxmlformats.org/presentationml/2006/main" showMasterSp="0" showMasterPhAnim="0">
+  <p:cSld>
+    <p:spTree>
+      <p:nvGrpSpPr>
+        <p:cNvPr id="1" name="Shape 152"/>
+        <p:cNvGrpSpPr/>
+        <p:nvPr/>
+      </p:nvGrpSpPr>
+      <p:grpSpPr>
+        <a:xfrm>
+          <a:off x="0" y="0"/>
+          <a:ext cx="0" cy="0"/>
+          <a:chOff x="0" y="0"/>
+          <a:chExt cx="0" cy="0"/>
+        </a:xfrm>
+      </p:grpSpPr>
+      <p:sp>
+        <p:nvSpPr>
+          <p:cNvPr id="153" name="Google Shape;153;g139f46162fd_1_43:notes"/>
+          <p:cNvSpPr>
+            <a:spLocks noGrp="1" noRot="1" noChangeAspect="1"/>
+          </p:cNvSpPr>
+          <p:nvPr>
+            <p:ph type="sldImg" idx="2"/>
+          </p:nvPr>
+        </p:nvSpPr>
+        <p:spPr>
+          <a:xfrm>
+            <a:off x="381000" y="685800"/>
+            <a:ext cx="6096000" cy="3429000"/>
+          </a:xfrm>
+          <a:custGeom>
+            <a:avLst/>
+            <a:gdLst/>
+            <a:ahLst/>
+            <a:cxnLst/>
+            <a:rect l="l" t="t" r="r" b="b"/>
+            <a:pathLst>
+              <a:path w="120000" h="120000" extrusionOk="0">
+                <a:moveTo>
+                  <a:pt x="0" y="0"/>
+                </a:moveTo>
+                <a:lnTo>
+                  <a:pt x="120000" y="0"/>
+                </a:lnTo>
+                <a:lnTo>
+                  <a:pt x="120000" y="120000"/>
+                </a:lnTo>
+                <a:lnTo>
+                  <a:pt x="0" y="120000"/>
+                </a:lnTo>
+                <a:close/>
+              </a:path>
+            </a:pathLst>
+          </a:custGeom>
+        </p:spPr>
+      </p:sp>
+      <p:sp>
+        <p:nvSpPr>
+          <p:cNvPr id="154" name="Google Shape;154;g139f46162fd_1_43:notes"/>
+          <p:cNvSpPr txBox="1">
+            <a:spLocks noGrp="1"/>
+          </p:cNvSpPr>
+          <p:nvPr>
+            <p:ph type="body" idx="1"/>
+          </p:nvPr>
+        </p:nvSpPr>
+        <p:spPr>
+          <a:xfrm>
+            <a:off x="685800" y="4343400"/>
+            <a:ext cx="5486400" cy="4114800"/>
+          </a:xfrm>
+          <a:prstGeom prst="rect">
+            <a:avLst/>
+          </a:prstGeom>
+        </p:spPr>
+        <p:txBody>
+          <a:bodyPr spcFirstLastPara="1" wrap="square" lIns="91425" tIns="91425" rIns="91425" bIns="91425" anchor="t" anchorCtr="0">
+            <a:noAutofit/>
+          </a:bodyPr>
+          <a:lstStyle/>
+          <a:p>
+            <a:pPr marL="0" lvl="0" indent="0" algn="l" rtl="0">
+              <a:spcBef>
+                <a:spcPts val="0"/>
+              </a:spcBef>
+              <a:spcAft>
+                <a:spcPts val="0"/>
+              </a:spcAft>
+              <a:buNone/>
+            </a:pPr>
+            <a:endParaRPr/>
+          </a:p>
+        </p:txBody>
+      </p:sp>
+    </p:spTree>
+    <p:extLst>
+      <p:ext uri="{BB962C8B-B14F-4D97-AF65-F5344CB8AC3E}">
+        <p14:creationId xmlns:p14="http://schemas.microsoft.com/office/powerpoint/2010/main" val="3388786128"/>
+      </p:ext>
+    </p:extLst>
+  </p:cSld>
+  <p:clrMapOvr>
+    <a:masterClrMapping/>
+  </p:clrMapOvr>
+</p:notes>
+</file>
+
+<file path=ppt/notesSlides/notesSlide11.xml><?xml version="1.0" encoding="utf-8"?>
+<p:notes xmlns:a="http://schemas.openxmlformats.org/drawingml/2006/main" xmlns:r="http://schemas.openxmlformats.org/officeDocument/2006/relationships" xmlns:p="http://schemas.openxmlformats.org/presentationml/2006/main" showMasterSp="0" showMasterPhAnim="0">
+  <p:cSld>
+    <p:spTree>
+      <p:nvGrpSpPr>
+        <p:cNvPr id="1" name="Shape 193"/>
+        <p:cNvGrpSpPr/>
+        <p:nvPr/>
+      </p:nvGrpSpPr>
+      <p:grpSpPr>
+        <a:xfrm>
+          <a:off x="0" y="0"/>
+          <a:ext cx="0" cy="0"/>
+          <a:chOff x="0" y="0"/>
+          <a:chExt cx="0" cy="0"/>
+        </a:xfrm>
+      </p:grpSpPr>
+      <p:sp>
+        <p:nvSpPr>
+          <p:cNvPr id="194" name="Google Shape;194;g139f46162fd_1_78:notes"/>
+          <p:cNvSpPr>
+            <a:spLocks noGrp="1" noRot="1" noChangeAspect="1"/>
+          </p:cNvSpPr>
+          <p:nvPr>
+            <p:ph type="sldImg" idx="2"/>
+          </p:nvPr>
+        </p:nvSpPr>
+        <p:spPr>
+          <a:xfrm>
+            <a:off x="381000" y="685800"/>
+            <a:ext cx="6096000" cy="3429000"/>
+          </a:xfrm>
+          <a:custGeom>
+            <a:avLst/>
+            <a:gdLst/>
+            <a:ahLst/>
+            <a:cxnLst/>
+            <a:rect l="l" t="t" r="r" b="b"/>
+            <a:pathLst>
+              <a:path w="120000" h="120000" extrusionOk="0">
+                <a:moveTo>
+                  <a:pt x="0" y="0"/>
+                </a:moveTo>
+                <a:lnTo>
+                  <a:pt x="120000" y="0"/>
+                </a:lnTo>
+                <a:lnTo>
+                  <a:pt x="120000" y="120000"/>
+                </a:lnTo>
+                <a:lnTo>
+                  <a:pt x="0" y="120000"/>
+                </a:lnTo>
+                <a:close/>
+              </a:path>
+            </a:pathLst>
+          </a:custGeom>
+        </p:spPr>
+      </p:sp>
+      <p:sp>
+        <p:nvSpPr>
+          <p:cNvPr id="195" name="Google Shape;195;g139f46162fd_1_78:notes"/>
+          <p:cNvSpPr txBox="1">
+            <a:spLocks noGrp="1"/>
+          </p:cNvSpPr>
+          <p:nvPr>
+            <p:ph type="body" idx="1"/>
+          </p:nvPr>
+        </p:nvSpPr>
+        <p:spPr>
+          <a:xfrm>
+            <a:off x="685800" y="4343400"/>
+            <a:ext cx="5486400" cy="4114800"/>
+          </a:xfrm>
+          <a:prstGeom prst="rect">
+            <a:avLst/>
+          </a:prstGeom>
+        </p:spPr>
+        <p:txBody>
+          <a:bodyPr spcFirstLastPara="1" wrap="square" lIns="91425" tIns="91425" rIns="91425" bIns="91425" anchor="t" anchorCtr="0">
+            <a:noAutofit/>
+          </a:bodyPr>
+          <a:lstStyle/>
+          <a:p>
+            <a:pPr marL="0" lvl="0" indent="0" algn="l" rtl="0">
+              <a:spcBef>
+                <a:spcPts val="0"/>
+              </a:spcBef>
+              <a:spcAft>
+                <a:spcPts val="0"/>
+              </a:spcAft>
+              <a:buNone/>
+            </a:pPr>
+            <a:endParaRPr/>
+          </a:p>
+        </p:txBody>
+      </p:sp>
+    </p:spTree>
+  </p:cSld>
+  <p:clrMapOvr>
+    <a:masterClrMapping/>
+  </p:clrMapOvr>
+</p:notes>
+</file>
+
 <file path=ppt/notesSlides/notesSlide2.xml><?xml version="1.0" encoding="utf-8"?>
 <p:notes xmlns:a="http://schemas.openxmlformats.org/drawingml/2006/main" xmlns:r="http://schemas.openxmlformats.org/officeDocument/2006/relationships" xmlns:p="http://schemas.openxmlformats.org/presentationml/2006/main" showMasterSp="0" showMasterPhAnim="0">
   <p:cSld>
@@ -1032,6 +1248,110 @@
   <p:cSld>
     <p:spTree>
       <p:nvGrpSpPr>
+        <p:cNvPr id="1" name="Shape 120"/>
+        <p:cNvGrpSpPr/>
+        <p:nvPr/>
+      </p:nvGrpSpPr>
+      <p:grpSpPr>
+        <a:xfrm>
+          <a:off x="0" y="0"/>
+          <a:ext cx="0" cy="0"/>
+          <a:chOff x="0" y="0"/>
+          <a:chExt cx="0" cy="0"/>
+        </a:xfrm>
+      </p:grpSpPr>
+      <p:sp>
+        <p:nvSpPr>
+          <p:cNvPr id="121" name="Google Shape;121;g134ce0a0b27_0_15:notes"/>
+          <p:cNvSpPr>
+            <a:spLocks noGrp="1" noRot="1" noChangeAspect="1"/>
+          </p:cNvSpPr>
+          <p:nvPr>
+            <p:ph type="sldImg" idx="2"/>
+          </p:nvPr>
+        </p:nvSpPr>
+        <p:spPr>
+          <a:xfrm>
+            <a:off x="381000" y="685800"/>
+            <a:ext cx="6096000" cy="3429000"/>
+          </a:xfrm>
+          <a:custGeom>
+            <a:avLst/>
+            <a:gdLst/>
+            <a:ahLst/>
+            <a:cxnLst/>
+            <a:rect l="l" t="t" r="r" b="b"/>
+            <a:pathLst>
+              <a:path w="120000" h="120000" extrusionOk="0">
+                <a:moveTo>
+                  <a:pt x="0" y="0"/>
+                </a:moveTo>
+                <a:lnTo>
+                  <a:pt x="120000" y="0"/>
+                </a:lnTo>
+                <a:lnTo>
+                  <a:pt x="120000" y="120000"/>
+                </a:lnTo>
+                <a:lnTo>
+                  <a:pt x="0" y="120000"/>
+                </a:lnTo>
+                <a:close/>
+              </a:path>
+            </a:pathLst>
+          </a:custGeom>
+        </p:spPr>
+      </p:sp>
+      <p:sp>
+        <p:nvSpPr>
+          <p:cNvPr id="122" name="Google Shape;122;g134ce0a0b27_0_15:notes"/>
+          <p:cNvSpPr txBox="1">
+            <a:spLocks noGrp="1"/>
+          </p:cNvSpPr>
+          <p:nvPr>
+            <p:ph type="body" idx="1"/>
+          </p:nvPr>
+        </p:nvSpPr>
+        <p:spPr>
+          <a:xfrm>
+            <a:off x="685800" y="4343400"/>
+            <a:ext cx="5486400" cy="4114800"/>
+          </a:xfrm>
+          <a:prstGeom prst="rect">
+            <a:avLst/>
+          </a:prstGeom>
+        </p:spPr>
+        <p:txBody>
+          <a:bodyPr spcFirstLastPara="1" wrap="square" lIns="91425" tIns="91425" rIns="91425" bIns="91425" anchor="t" anchorCtr="0">
+            <a:noAutofit/>
+          </a:bodyPr>
+          <a:lstStyle/>
+          <a:p>
+            <a:pPr marL="0" lvl="0" indent="0" algn="l" rtl="0">
+              <a:spcBef>
+                <a:spcPts val="0"/>
+              </a:spcBef>
+              <a:spcAft>
+                <a:spcPts val="0"/>
+              </a:spcAft>
+              <a:buNone/>
+            </a:pPr>
+            <a:endParaRPr/>
+          </a:p>
+        </p:txBody>
+      </p:sp>
+    </p:spTree>
+  </p:cSld>
+  <p:clrMapOvr>
+    <a:masterClrMapping/>
+  </p:clrMapOvr>
+</p:notes>
+</file>
+
+<file path=ppt/notesSlides/notesSlide5.xml><?xml version="1.0" encoding="utf-8"?>
+<p:notes xmlns:a="http://schemas.openxmlformats.org/drawingml/2006/main" xmlns:r="http://schemas.openxmlformats.org/officeDocument/2006/relationships" xmlns:p="http://schemas.openxmlformats.org/presentationml/2006/main" showMasterSp="0" showMasterPhAnim="0">
+  <p:cSld>
+    <p:spTree>
+      <p:nvGrpSpPr>
         <p:cNvPr id="1" name="Shape 108"/>
         <p:cNvGrpSpPr/>
         <p:nvPr/>
@@ -1131,12 +1451,12 @@
 </p:notes>
 </file>
 
-<file path=ppt/notesSlides/notesSlide5.xml><?xml version="1.0" encoding="utf-8"?>
+<file path=ppt/notesSlides/notesSlide6.xml><?xml version="1.0" encoding="utf-8"?>
 <p:notes xmlns:a="http://schemas.openxmlformats.org/drawingml/2006/main" xmlns:r="http://schemas.openxmlformats.org/officeDocument/2006/relationships" xmlns:p="http://schemas.openxmlformats.org/presentationml/2006/main" showMasterSp="0" showMasterPhAnim="0">
   <p:cSld>
     <p:spTree>
       <p:nvGrpSpPr>
-        <p:cNvPr id="1" name="Shape 120"/>
+        <p:cNvPr id="1" name="Shape 108"/>
         <p:cNvGrpSpPr/>
         <p:nvPr/>
       </p:nvGrpSpPr>
@@ -1150,7 +1470,7 @@
       </p:grpSpPr>
       <p:sp>
         <p:nvSpPr>
-          <p:cNvPr id="121" name="Google Shape;121;g134ce0a0b27_0_15:notes"/>
+          <p:cNvPr id="109" name="Google Shape;109;g139f46162fd_1_23:notes"/>
           <p:cNvSpPr>
             <a:spLocks noGrp="1" noRot="1" noChangeAspect="1"/>
           </p:cNvSpPr>
@@ -1191,7 +1511,7 @@
       </p:sp>
       <p:sp>
         <p:nvSpPr>
-          <p:cNvPr id="122" name="Google Shape;122;g134ce0a0b27_0_15:notes"/>
+          <p:cNvPr id="110" name="Google Shape;110;g139f46162fd_1_23:notes"/>
           <p:cNvSpPr txBox="1">
             <a:spLocks noGrp="1"/>
           </p:cNvSpPr>
@@ -1228,6 +1548,11 @@
         </p:txBody>
       </p:sp>
     </p:spTree>
+    <p:extLst>
+      <p:ext uri="{BB962C8B-B14F-4D97-AF65-F5344CB8AC3E}">
+        <p14:creationId xmlns:p14="http://schemas.microsoft.com/office/powerpoint/2010/main" val="2699745267"/>
+      </p:ext>
+    </p:extLst>
   </p:cSld>
   <p:clrMapOvr>
     <a:masterClrMapping/>
@@ -1235,7 +1560,7 @@
 </p:notes>
 </file>
 
-<file path=ppt/notesSlides/notesSlide6.xml><?xml version="1.0" encoding="utf-8"?>
+<file path=ppt/notesSlides/notesSlide7.xml><?xml version="1.0" encoding="utf-8"?>
 <p:notes xmlns:a="http://schemas.openxmlformats.org/drawingml/2006/main" xmlns:r="http://schemas.openxmlformats.org/officeDocument/2006/relationships" xmlns:p="http://schemas.openxmlformats.org/presentationml/2006/main" showMasterSp="0" showMasterPhAnim="0">
   <p:cSld>
     <p:spTree>
@@ -1339,7 +1664,116 @@
 </p:notes>
 </file>
 
-<file path=ppt/notesSlides/notesSlide7.xml><?xml version="1.0" encoding="utf-8"?>
+<file path=ppt/notesSlides/notesSlide8.xml><?xml version="1.0" encoding="utf-8"?>
+<p:notes xmlns:a="http://schemas.openxmlformats.org/drawingml/2006/main" xmlns:r="http://schemas.openxmlformats.org/officeDocument/2006/relationships" xmlns:p="http://schemas.openxmlformats.org/presentationml/2006/main" showMasterSp="0" showMasterPhAnim="0">
+  <p:cSld>
+    <p:spTree>
+      <p:nvGrpSpPr>
+        <p:cNvPr id="1" name="Shape 135"/>
+        <p:cNvGrpSpPr/>
+        <p:nvPr/>
+      </p:nvGrpSpPr>
+      <p:grpSpPr>
+        <a:xfrm>
+          <a:off x="0" y="0"/>
+          <a:ext cx="0" cy="0"/>
+          <a:chOff x="0" y="0"/>
+          <a:chExt cx="0" cy="0"/>
+        </a:xfrm>
+      </p:grpSpPr>
+      <p:sp>
+        <p:nvSpPr>
+          <p:cNvPr id="136" name="Google Shape;136;g139f46162fd_1_35:notes"/>
+          <p:cNvSpPr>
+            <a:spLocks noGrp="1" noRot="1" noChangeAspect="1"/>
+          </p:cNvSpPr>
+          <p:nvPr>
+            <p:ph type="sldImg" idx="2"/>
+          </p:nvPr>
+        </p:nvSpPr>
+        <p:spPr>
+          <a:xfrm>
+            <a:off x="381000" y="685800"/>
+            <a:ext cx="6096000" cy="3429000"/>
+          </a:xfrm>
+          <a:custGeom>
+            <a:avLst/>
+            <a:gdLst/>
+            <a:ahLst/>
+            <a:cxnLst/>
+            <a:rect l="l" t="t" r="r" b="b"/>
+            <a:pathLst>
+              <a:path w="120000" h="120000" extrusionOk="0">
+                <a:moveTo>
+                  <a:pt x="0" y="0"/>
+                </a:moveTo>
+                <a:lnTo>
+                  <a:pt x="120000" y="0"/>
+                </a:lnTo>
+                <a:lnTo>
+                  <a:pt x="120000" y="120000"/>
+                </a:lnTo>
+                <a:lnTo>
+                  <a:pt x="0" y="120000"/>
+                </a:lnTo>
+                <a:close/>
+              </a:path>
+            </a:pathLst>
+          </a:custGeom>
+        </p:spPr>
+      </p:sp>
+      <p:sp>
+        <p:nvSpPr>
+          <p:cNvPr id="137" name="Google Shape;137;g139f46162fd_1_35:notes"/>
+          <p:cNvSpPr txBox="1">
+            <a:spLocks noGrp="1"/>
+          </p:cNvSpPr>
+          <p:nvPr>
+            <p:ph type="body" idx="1"/>
+          </p:nvPr>
+        </p:nvSpPr>
+        <p:spPr>
+          <a:xfrm>
+            <a:off x="685800" y="4343400"/>
+            <a:ext cx="5486400" cy="4114800"/>
+          </a:xfrm>
+          <a:prstGeom prst="rect">
+            <a:avLst/>
+          </a:prstGeom>
+        </p:spPr>
+        <p:txBody>
+          <a:bodyPr spcFirstLastPara="1" wrap="square" lIns="91425" tIns="91425" rIns="91425" bIns="91425" anchor="t" anchorCtr="0">
+            <a:noAutofit/>
+          </a:bodyPr>
+          <a:lstStyle/>
+          <a:p>
+            <a:pPr marL="0" lvl="0" indent="0" algn="l" rtl="0">
+              <a:spcBef>
+                <a:spcPts val="0"/>
+              </a:spcBef>
+              <a:spcAft>
+                <a:spcPts val="0"/>
+              </a:spcAft>
+              <a:buNone/>
+            </a:pPr>
+            <a:endParaRPr/>
+          </a:p>
+        </p:txBody>
+      </p:sp>
+    </p:spTree>
+    <p:extLst>
+      <p:ext uri="{BB962C8B-B14F-4D97-AF65-F5344CB8AC3E}">
+        <p14:creationId xmlns:p14="http://schemas.microsoft.com/office/powerpoint/2010/main" val="2672005733"/>
+      </p:ext>
+    </p:extLst>
+  </p:cSld>
+  <p:clrMapOvr>
+    <a:masterClrMapping/>
+  </p:clrMapOvr>
+</p:notes>
+</file>
+
+<file path=ppt/notesSlides/notesSlide9.xml><?xml version="1.0" encoding="utf-8"?>
 <p:notes xmlns:a="http://schemas.openxmlformats.org/drawingml/2006/main" xmlns:r="http://schemas.openxmlformats.org/officeDocument/2006/relationships" xmlns:p="http://schemas.openxmlformats.org/presentationml/2006/main" showMasterSp="0" showMasterPhAnim="0">
   <p:cSld>
     <p:spTree>
@@ -1400,110 +1834,6 @@
       <p:sp>
         <p:nvSpPr>
           <p:cNvPr id="154" name="Google Shape;154;g139f46162fd_1_43:notes"/>
-          <p:cNvSpPr txBox="1">
-            <a:spLocks noGrp="1"/>
-          </p:cNvSpPr>
-          <p:nvPr>
-            <p:ph type="body" idx="1"/>
-          </p:nvPr>
-        </p:nvSpPr>
-        <p:spPr>
-          <a:xfrm>
-            <a:off x="685800" y="4343400"/>
-            <a:ext cx="5486400" cy="4114800"/>
-          </a:xfrm>
-          <a:prstGeom prst="rect">
-            <a:avLst/>
-          </a:prstGeom>
-        </p:spPr>
-        <p:txBody>
-          <a:bodyPr spcFirstLastPara="1" wrap="square" lIns="91425" tIns="91425" rIns="91425" bIns="91425" anchor="t" anchorCtr="0">
-            <a:noAutofit/>
-          </a:bodyPr>
-          <a:lstStyle/>
-          <a:p>
-            <a:pPr marL="0" lvl="0" indent="0" algn="l" rtl="0">
-              <a:spcBef>
-                <a:spcPts val="0"/>
-              </a:spcBef>
-              <a:spcAft>
-                <a:spcPts val="0"/>
-              </a:spcAft>
-              <a:buNone/>
-            </a:pPr>
-            <a:endParaRPr/>
-          </a:p>
-        </p:txBody>
-      </p:sp>
-    </p:spTree>
-  </p:cSld>
-  <p:clrMapOvr>
-    <a:masterClrMapping/>
-  </p:clrMapOvr>
-</p:notes>
-</file>
-
-<file path=ppt/notesSlides/notesSlide8.xml><?xml version="1.0" encoding="utf-8"?>
-<p:notes xmlns:a="http://schemas.openxmlformats.org/drawingml/2006/main" xmlns:r="http://schemas.openxmlformats.org/officeDocument/2006/relationships" xmlns:p="http://schemas.openxmlformats.org/presentationml/2006/main" showMasterSp="0" showMasterPhAnim="0">
-  <p:cSld>
-    <p:spTree>
-      <p:nvGrpSpPr>
-        <p:cNvPr id="1" name="Shape 193"/>
-        <p:cNvGrpSpPr/>
-        <p:nvPr/>
-      </p:nvGrpSpPr>
-      <p:grpSpPr>
-        <a:xfrm>
-          <a:off x="0" y="0"/>
-          <a:ext cx="0" cy="0"/>
-          <a:chOff x="0" y="0"/>
-          <a:chExt cx="0" cy="0"/>
-        </a:xfrm>
-      </p:grpSpPr>
-      <p:sp>
-        <p:nvSpPr>
-          <p:cNvPr id="194" name="Google Shape;194;g139f46162fd_1_78:notes"/>
-          <p:cNvSpPr>
-            <a:spLocks noGrp="1" noRot="1" noChangeAspect="1"/>
-          </p:cNvSpPr>
-          <p:nvPr>
-            <p:ph type="sldImg" idx="2"/>
-          </p:nvPr>
-        </p:nvSpPr>
-        <p:spPr>
-          <a:xfrm>
-            <a:off x="381000" y="685800"/>
-            <a:ext cx="6096000" cy="3429000"/>
-          </a:xfrm>
-          <a:custGeom>
-            <a:avLst/>
-            <a:gdLst/>
-            <a:ahLst/>
-            <a:cxnLst/>
-            <a:rect l="l" t="t" r="r" b="b"/>
-            <a:pathLst>
-              <a:path w="120000" h="120000" extrusionOk="0">
-                <a:moveTo>
-                  <a:pt x="0" y="0"/>
-                </a:moveTo>
-                <a:lnTo>
-                  <a:pt x="120000" y="0"/>
-                </a:lnTo>
-                <a:lnTo>
-                  <a:pt x="120000" y="120000"/>
-                </a:lnTo>
-                <a:lnTo>
-                  <a:pt x="0" y="120000"/>
-                </a:lnTo>
-                <a:close/>
-              </a:path>
-            </a:pathLst>
-          </a:custGeom>
-        </p:spPr>
-      </p:sp>
-      <p:sp>
-        <p:nvSpPr>
-          <p:cNvPr id="195" name="Google Shape;195;g139f46162fd_1_78:notes"/>
           <p:cNvSpPr txBox="1">
             <a:spLocks noGrp="1"/>
           </p:cNvSpPr>
@@ -6940,14 +7270,14 @@
           <p:nvPr>
             <p:extLst>
               <p:ext uri="{D42A27DB-BD31-4B8C-83A1-F6EECF244321}">
-                <p14:modId xmlns:p14="http://schemas.microsoft.com/office/powerpoint/2010/main" val="1907255675"/>
+                <p14:modId xmlns:p14="http://schemas.microsoft.com/office/powerpoint/2010/main" val="3950417450"/>
               </p:ext>
             </p:extLst>
           </p:nvPr>
         </p:nvGraphicFramePr>
         <p:xfrm>
-          <a:off x="1108128" y="2925763"/>
-          <a:ext cx="7353948" cy="1835945"/>
+          <a:off x="1009083" y="2925762"/>
+          <a:ext cx="7485684" cy="1817538"/>
         </p:xfrm>
         <a:graphic>
           <a:graphicData uri="http://schemas.openxmlformats.org/drawingml/2006/table">
@@ -6956,14 +7286,14 @@
                 <a:tableStyleId>{5C22544A-7EE6-4342-B048-85BDC9FD1C3A}</a:tableStyleId>
               </a:tblPr>
               <a:tblGrid>
-                <a:gridCol w="3676974">
+                <a:gridCol w="3742842">
                   <a:extLst>
                     <a:ext uri="{9D8B030D-6E8A-4147-A177-3AD203B41FA5}">
                       <a16:colId xmlns:a16="http://schemas.microsoft.com/office/drawing/2014/main" val="20000"/>
                     </a:ext>
                   </a:extLst>
                 </a:gridCol>
-                <a:gridCol w="3676974">
+                <a:gridCol w="3742842">
                   <a:extLst>
                     <a:ext uri="{9D8B030D-6E8A-4147-A177-3AD203B41FA5}">
                       <a16:colId xmlns:a16="http://schemas.microsoft.com/office/drawing/2014/main" val="20001"/>
@@ -7159,14 +7489,44 @@
                       </a:pPr>
                       <a:r>
                         <a:rPr lang="en-US" b="1" dirty="0"/>
-                        <a:t>Assistant Professor</a:t>
+                        <a:t>Assistant Professor </a:t>
+                      </a:r>
+                      <a:r>
+                        <a:rPr lang="en-US" b="0" dirty="0"/>
+                        <a:t>(</a:t>
+                      </a:r>
+                      <a:r>
+                        <a:rPr lang="en-IN" sz="1200" b="0" i="0" u="none" strike="noStrike" cap="none" dirty="0">
+                          <a:solidFill>
+                            <a:schemeClr val="dk1"/>
+                          </a:solidFill>
+                          <a:effectLst/>
+                          <a:latin typeface="+mn-lt"/>
+                          <a:ea typeface="+mn-ea"/>
+                          <a:cs typeface="+mn-cs"/>
+                          <a:sym typeface="Arial"/>
+                        </a:rPr>
+                        <a:t>Senior Scale</a:t>
+                      </a:r>
+                      <a:r>
+                        <a:rPr lang="en-IN" sz="1400" b="0" i="0" u="none" strike="noStrike" cap="none" dirty="0">
+                          <a:solidFill>
+                            <a:schemeClr val="dk1"/>
+                          </a:solidFill>
+                          <a:effectLst/>
+                          <a:latin typeface="+mn-lt"/>
+                          <a:ea typeface="+mn-ea"/>
+                          <a:cs typeface="+mn-cs"/>
+                          <a:sym typeface="Arial"/>
+                        </a:rPr>
+                        <a:t>)</a:t>
                       </a:r>
                       <a:br>
                         <a:rPr lang="en-US" b="1" dirty="0"/>
                       </a:br>
                       <a:r>
                         <a:rPr lang="en-US" b="1" dirty="0"/>
-                        <a:t>Dept. of Computer Science and Engineering</a:t>
+                        <a:t>Dept. of Computer Science &amp; Engineering</a:t>
                       </a:r>
                       <a:endParaRPr lang="en-US" dirty="0"/>
                     </a:p>
@@ -7213,6 +7573,697 @@
 </p:sld>
 </file>
 
+<file path=ppt/slides/slide10.xml><?xml version="1.0" encoding="utf-8"?>
+<p:sld xmlns:a="http://schemas.openxmlformats.org/drawingml/2006/main" xmlns:r="http://schemas.openxmlformats.org/officeDocument/2006/relationships" xmlns:p="http://schemas.openxmlformats.org/presentationml/2006/main">
+  <p:cSld>
+    <p:spTree>
+      <p:nvGrpSpPr>
+        <p:cNvPr id="1" name="Shape 155"/>
+        <p:cNvGrpSpPr/>
+        <p:nvPr/>
+      </p:nvGrpSpPr>
+      <p:grpSpPr>
+        <a:xfrm>
+          <a:off x="0" y="0"/>
+          <a:ext cx="0" cy="0"/>
+          <a:chOff x="0" y="0"/>
+          <a:chExt cx="0" cy="0"/>
+        </a:xfrm>
+      </p:grpSpPr>
+      <p:sp>
+        <p:nvSpPr>
+          <p:cNvPr id="156" name="Google Shape;156;p22"/>
+          <p:cNvSpPr txBox="1"/>
+          <p:nvPr/>
+        </p:nvSpPr>
+        <p:spPr>
+          <a:xfrm>
+            <a:off x="0" y="0"/>
+            <a:ext cx="9144000" cy="554100"/>
+          </a:xfrm>
+          <a:prstGeom prst="rect">
+            <a:avLst/>
+          </a:prstGeom>
+          <a:gradFill>
+            <a:gsLst>
+              <a:gs pos="0">
+                <a:srgbClr val="DCECD5"/>
+              </a:gs>
+              <a:gs pos="100000">
+                <a:srgbClr val="93BC81"/>
+              </a:gs>
+            </a:gsLst>
+            <a:path path="circle">
+              <a:fillToRect l="50000" t="50000" r="50000" b="50000"/>
+            </a:path>
+            <a:tileRect/>
+          </a:gradFill>
+          <a:ln>
+            <a:noFill/>
+          </a:ln>
+        </p:spPr>
+        <p:txBody>
+          <a:bodyPr spcFirstLastPara="1" wrap="square" lIns="91425" tIns="91425" rIns="91425" bIns="91425" anchor="t" anchorCtr="0">
+            <a:spAutoFit/>
+          </a:bodyPr>
+          <a:lstStyle/>
+          <a:p>
+            <a:pPr marL="0" lvl="0" indent="0" algn="l" rtl="0">
+              <a:spcBef>
+                <a:spcPts val="0"/>
+              </a:spcBef>
+              <a:spcAft>
+                <a:spcPts val="0"/>
+              </a:spcAft>
+              <a:buNone/>
+            </a:pPr>
+            <a:r>
+              <a:rPr lang="en-GB" sz="2400" b="1"/>
+              <a:t>                             PROPOSED MECHANISM</a:t>
+            </a:r>
+            <a:endParaRPr sz="2400" b="1"/>
+          </a:p>
+        </p:txBody>
+      </p:sp>
+      <p:pic>
+        <p:nvPicPr>
+          <p:cNvPr id="157" name="Google Shape;157;p22"/>
+          <p:cNvPicPr preferRelativeResize="0"/>
+          <p:nvPr/>
+        </p:nvPicPr>
+        <p:blipFill rotWithShape="1">
+          <a:blip r:embed="rId3">
+            <a:alphaModFix/>
+          </a:blip>
+          <a:srcRect/>
+          <a:stretch/>
+        </p:blipFill>
+        <p:spPr>
+          <a:xfrm>
+            <a:off x="8456100" y="0"/>
+            <a:ext cx="687900" cy="554100"/>
+          </a:xfrm>
+          <a:prstGeom prst="rect">
+            <a:avLst/>
+          </a:prstGeom>
+          <a:noFill/>
+          <a:ln>
+            <a:noFill/>
+          </a:ln>
+        </p:spPr>
+      </p:pic>
+      <p:sp>
+        <p:nvSpPr>
+          <p:cNvPr id="158" name="Google Shape;158;p22"/>
+          <p:cNvSpPr txBox="1"/>
+          <p:nvPr/>
+        </p:nvSpPr>
+        <p:spPr>
+          <a:xfrm>
+            <a:off x="0" y="4743300"/>
+            <a:ext cx="6709800" cy="400079"/>
+          </a:xfrm>
+          <a:prstGeom prst="rect">
+            <a:avLst/>
+          </a:prstGeom>
+          <a:solidFill>
+            <a:srgbClr val="EA9999"/>
+          </a:solidFill>
+          <a:ln>
+            <a:noFill/>
+          </a:ln>
+        </p:spPr>
+        <p:txBody>
+          <a:bodyPr spcFirstLastPara="1" wrap="square" lIns="91425" tIns="91425" rIns="91425" bIns="91425" anchor="t" anchorCtr="0">
+            <a:spAutoFit/>
+          </a:bodyPr>
+          <a:lstStyle/>
+          <a:p>
+            <a:r>
+              <a:rPr lang="en-US" sz="1400" b="1" dirty="0">
+                <a:solidFill>
+                  <a:srgbClr val="134F5C"/>
+                </a:solidFill>
+              </a:rPr>
+              <a:t>Machine Learning based approach for Diabetes Prediction</a:t>
+            </a:r>
+            <a:endParaRPr lang="en-US" sz="1400" dirty="0">
+              <a:latin typeface="Merriweather Black"/>
+              <a:ea typeface="Merriweather Black"/>
+              <a:cs typeface="Merriweather Black"/>
+              <a:sym typeface="Merriweather Black"/>
+            </a:endParaRPr>
+          </a:p>
+        </p:txBody>
+      </p:sp>
+      <p:sp>
+        <p:nvSpPr>
+          <p:cNvPr id="159" name="Google Shape;159;p22"/>
+          <p:cNvSpPr txBox="1"/>
+          <p:nvPr/>
+        </p:nvSpPr>
+        <p:spPr>
+          <a:xfrm>
+            <a:off x="6709825" y="4743300"/>
+            <a:ext cx="2434200" cy="400079"/>
+          </a:xfrm>
+          <a:prstGeom prst="rect">
+            <a:avLst/>
+          </a:prstGeom>
+          <a:solidFill>
+            <a:srgbClr val="B6D7A8"/>
+          </a:solidFill>
+          <a:ln>
+            <a:noFill/>
+          </a:ln>
+        </p:spPr>
+        <p:txBody>
+          <a:bodyPr spcFirstLastPara="1" wrap="square" lIns="91425" tIns="91425" rIns="91425" bIns="91425" anchor="t" anchorCtr="0">
+            <a:spAutoFit/>
+          </a:bodyPr>
+          <a:lstStyle/>
+          <a:p>
+            <a:pPr algn="ctr"/>
+            <a:r>
+              <a:rPr lang="en-GB" sz="1400" dirty="0">
+                <a:latin typeface="Merriweather Black"/>
+                <a:ea typeface="Merriweather Black"/>
+                <a:cs typeface="Merriweather Black"/>
+                <a:sym typeface="Merriweather Black"/>
+              </a:rPr>
+              <a:t>April 24, 2023</a:t>
+            </a:r>
+          </a:p>
+        </p:txBody>
+      </p:sp>
+      <p:sp>
+        <p:nvSpPr>
+          <p:cNvPr id="6" name="TextBox 5"/>
+          <p:cNvSpPr txBox="1"/>
+          <p:nvPr/>
+        </p:nvSpPr>
+        <p:spPr>
+          <a:xfrm>
+            <a:off x="689675" y="1143000"/>
+            <a:ext cx="8121112" cy="2613664"/>
+          </a:xfrm>
+          <a:prstGeom prst="rect">
+            <a:avLst/>
+          </a:prstGeom>
+          <a:noFill/>
+        </p:spPr>
+        <p:txBody>
+          <a:bodyPr wrap="square" rtlCol="0">
+            <a:spAutoFit/>
+          </a:bodyPr>
+          <a:lstStyle/>
+          <a:p>
+            <a:pPr>
+              <a:lnSpc>
+                <a:spcPct val="115000"/>
+              </a:lnSpc>
+              <a:buFont typeface="Wingdings" pitchFamily="2" charset="2"/>
+              <a:buChar char="Ø"/>
+            </a:pPr>
+            <a:r>
+              <a:rPr lang="en-US" sz="1800" dirty="0">
+                <a:solidFill>
+                  <a:schemeClr val="dk1"/>
+                </a:solidFill>
+              </a:rPr>
+              <a:t>Various machine learning algorithms will be compared based on AUC &amp; ROC, Till date we have trained model based on SVM and Logistic regression </a:t>
+            </a:r>
+          </a:p>
+          <a:p>
+            <a:pPr>
+              <a:lnSpc>
+                <a:spcPct val="115000"/>
+              </a:lnSpc>
+              <a:buFont typeface="Wingdings" pitchFamily="2" charset="2"/>
+              <a:buChar char="Ø"/>
+            </a:pPr>
+            <a:endParaRPr lang="en-US" sz="1800" dirty="0">
+              <a:solidFill>
+                <a:schemeClr val="dk1"/>
+              </a:solidFill>
+            </a:endParaRPr>
+          </a:p>
+          <a:p>
+            <a:pPr>
+              <a:lnSpc>
+                <a:spcPct val="115000"/>
+              </a:lnSpc>
+              <a:buFont typeface="Wingdings" pitchFamily="2" charset="2"/>
+              <a:buChar char="Ø"/>
+            </a:pPr>
+            <a:r>
+              <a:rPr lang="en-US" sz="1800" dirty="0">
+                <a:solidFill>
+                  <a:schemeClr val="dk1"/>
+                </a:solidFill>
+              </a:rPr>
+              <a:t>Making application of prediction using result from model used</a:t>
+            </a:r>
+          </a:p>
+          <a:p>
+            <a:pPr>
+              <a:lnSpc>
+                <a:spcPct val="115000"/>
+              </a:lnSpc>
+              <a:buFont typeface="Wingdings" pitchFamily="2" charset="2"/>
+              <a:buChar char="Ø"/>
+            </a:pPr>
+            <a:endParaRPr lang="en-US" sz="1800" dirty="0">
+              <a:solidFill>
+                <a:schemeClr val="dk1"/>
+              </a:solidFill>
+            </a:endParaRPr>
+          </a:p>
+          <a:p>
+            <a:pPr>
+              <a:lnSpc>
+                <a:spcPct val="115000"/>
+              </a:lnSpc>
+              <a:buFont typeface="Wingdings" pitchFamily="2" charset="2"/>
+              <a:buChar char="Ø"/>
+            </a:pPr>
+            <a:r>
+              <a:rPr lang="en-US" sz="1800" dirty="0">
+                <a:solidFill>
+                  <a:schemeClr val="dk1"/>
+                </a:solidFill>
+              </a:rPr>
+              <a:t>Evaluating the model whether it is right or not </a:t>
+            </a:r>
+          </a:p>
+          <a:p>
+            <a:pPr>
+              <a:lnSpc>
+                <a:spcPct val="115000"/>
+              </a:lnSpc>
+              <a:buFont typeface="Wingdings" pitchFamily="2" charset="2"/>
+              <a:buChar char="Ø"/>
+            </a:pPr>
+            <a:endParaRPr lang="en-US" sz="1800" dirty="0">
+              <a:solidFill>
+                <a:schemeClr val="dk1"/>
+              </a:solidFill>
+            </a:endParaRPr>
+          </a:p>
+          <a:p>
+            <a:pPr>
+              <a:lnSpc>
+                <a:spcPct val="115000"/>
+              </a:lnSpc>
+              <a:buFont typeface="Wingdings" pitchFamily="2" charset="2"/>
+              <a:buChar char="Ø"/>
+            </a:pPr>
+            <a:r>
+              <a:rPr lang="en-US" sz="1800" dirty="0">
+                <a:solidFill>
+                  <a:schemeClr val="dk1"/>
+                </a:solidFill>
+              </a:rPr>
+              <a:t>Health policy suggestion to patient based on result</a:t>
+            </a:r>
+          </a:p>
+        </p:txBody>
+      </p:sp>
+      <p:sp>
+        <p:nvSpPr>
+          <p:cNvPr id="2" name="Rectangle 1">
+            <a:extLst>
+              <a:ext uri="{FF2B5EF4-FFF2-40B4-BE49-F238E27FC236}">
+                <a16:creationId xmlns:a16="http://schemas.microsoft.com/office/drawing/2014/main" id="{253C5B06-88CA-1440-ACA8-C20F19915BEA}"/>
+              </a:ext>
+            </a:extLst>
+          </p:cNvPr>
+          <p:cNvSpPr>
+            <a:spLocks noChangeArrowheads="1"/>
+          </p:cNvSpPr>
+          <p:nvPr/>
+        </p:nvSpPr>
+        <p:spPr bwMode="auto">
+          <a:xfrm>
+            <a:off x="0" y="0"/>
+            <a:ext cx="9144000" cy="457200"/>
+          </a:xfrm>
+          <a:prstGeom prst="rect">
+            <a:avLst/>
+          </a:prstGeom>
+          <a:noFill/>
+          <a:ln>
+            <a:noFill/>
+          </a:ln>
+          <a:effectLst/>
+          <a:extLst>
+            <a:ext uri="{909E8E84-426E-40DD-AFC4-6F175D3DCCD1}">
+              <a14:hiddenFill xmlns:a14="http://schemas.microsoft.com/office/drawing/2010/main">
+                <a:solidFill>
+                  <a:schemeClr val="accent1"/>
+                </a:solidFill>
+              </a14:hiddenFill>
+            </a:ext>
+            <a:ext uri="{91240B29-F687-4F45-9708-019B960494DF}">
+              <a14:hiddenLine xmlns:a14="http://schemas.microsoft.com/office/drawing/2010/main" w="9525">
+                <a:solidFill>
+                  <a:schemeClr val="tx1"/>
+                </a:solidFill>
+                <a:miter lim="800000"/>
+                <a:headEnd/>
+                <a:tailEnd/>
+              </a14:hiddenLine>
+            </a:ext>
+            <a:ext uri="{AF507438-7753-43E0-B8FC-AC1667EBCBE1}">
+              <a14:hiddenEffects xmlns:a14="http://schemas.microsoft.com/office/drawing/2010/main">
+                <a:effectLst>
+                  <a:outerShdw dist="35921" dir="2700000" algn="ctr" rotWithShape="0">
+                    <a:schemeClr val="bg2"/>
+                  </a:outerShdw>
+                </a:effectLst>
+              </a14:hiddenEffects>
+            </a:ext>
+          </a:extLst>
+        </p:spPr>
+        <p:txBody>
+          <a:bodyPr vert="horz" wrap="none" lIns="91440" tIns="45720" rIns="91440" bIns="45720" numCol="1" anchor="ctr" anchorCtr="0" compatLnSpc="1">
+            <a:prstTxWarp prst="textNoShape">
+              <a:avLst/>
+            </a:prstTxWarp>
+            <a:spAutoFit/>
+          </a:bodyPr>
+          <a:lstStyle/>
+          <a:p>
+            <a:pPr marL="0" marR="0" lvl="0" indent="0" algn="l" defTabSz="914400" rtl="0" eaLnBrk="0" fontAlgn="base" latinLnBrk="0" hangingPunct="0">
+              <a:lnSpc>
+                <a:spcPct val="100000"/>
+              </a:lnSpc>
+              <a:spcBef>
+                <a:spcPct val="0"/>
+              </a:spcBef>
+              <a:spcAft>
+                <a:spcPct val="0"/>
+              </a:spcAft>
+              <a:buClrTx/>
+              <a:buSzTx/>
+              <a:buFontTx/>
+              <a:buNone/>
+              <a:tabLst/>
+            </a:pPr>
+            <a:r>
+              <a:rPr kumimoji="0" lang="en-US" altLang="en-US" sz="900" b="0" i="1" u="none" strike="noStrike" cap="none" normalizeH="0" baseline="0">
+                <a:ln>
+                  <a:noFill/>
+                </a:ln>
+                <a:solidFill>
+                  <a:srgbClr val="212121"/>
+                </a:solidFill>
+                <a:effectLst/>
+                <a:latin typeface="Arial Unicode MS"/>
+              </a:rPr>
+              <a:t>Logistic Regression</a:t>
+            </a:r>
+            <a:r>
+              <a:rPr kumimoji="0" lang="en-US" altLang="en-US" sz="600" b="0" i="0" u="none" strike="noStrike" cap="none" normalizeH="0" baseline="0">
+                <a:ln>
+                  <a:noFill/>
+                </a:ln>
+                <a:solidFill>
+                  <a:schemeClr val="tx1"/>
+                </a:solidFill>
+                <a:effectLst/>
+              </a:rPr>
+              <a:t> </a:t>
+            </a:r>
+            <a:endParaRPr kumimoji="0" lang="en-US" altLang="en-US" sz="1800" b="0" i="0" u="none" strike="noStrike" cap="none" normalizeH="0" baseline="0">
+              <a:ln>
+                <a:noFill/>
+              </a:ln>
+              <a:solidFill>
+                <a:schemeClr val="tx1"/>
+              </a:solidFill>
+              <a:effectLst/>
+              <a:latin typeface="Arial" panose="020B0604020202020204" pitchFamily="34" charset="0"/>
+            </a:endParaRPr>
+          </a:p>
+        </p:txBody>
+      </p:sp>
+    </p:spTree>
+    <p:extLst>
+      <p:ext uri="{BB962C8B-B14F-4D97-AF65-F5344CB8AC3E}">
+        <p14:creationId xmlns:p14="http://schemas.microsoft.com/office/powerpoint/2010/main" val="117227374"/>
+      </p:ext>
+    </p:extLst>
+  </p:cSld>
+  <p:clrMapOvr>
+    <a:masterClrMapping/>
+  </p:clrMapOvr>
+</p:sld>
+</file>
+
+<file path=ppt/slides/slide11.xml><?xml version="1.0" encoding="utf-8"?>
+<p:sld xmlns:a="http://schemas.openxmlformats.org/drawingml/2006/main" xmlns:r="http://schemas.openxmlformats.org/officeDocument/2006/relationships" xmlns:p="http://schemas.openxmlformats.org/presentationml/2006/main">
+  <p:cSld>
+    <p:spTree>
+      <p:nvGrpSpPr>
+        <p:cNvPr id="1" name="Shape 196"/>
+        <p:cNvGrpSpPr/>
+        <p:nvPr/>
+      </p:nvGrpSpPr>
+      <p:grpSpPr>
+        <a:xfrm>
+          <a:off x="0" y="0"/>
+          <a:ext cx="0" cy="0"/>
+          <a:chOff x="0" y="0"/>
+          <a:chExt cx="0" cy="0"/>
+        </a:xfrm>
+      </p:grpSpPr>
+      <p:sp>
+        <p:nvSpPr>
+          <p:cNvPr id="197" name="Google Shape;197;p27"/>
+          <p:cNvSpPr txBox="1"/>
+          <p:nvPr/>
+        </p:nvSpPr>
+        <p:spPr>
+          <a:xfrm>
+            <a:off x="0" y="0"/>
+            <a:ext cx="9144000" cy="554100"/>
+          </a:xfrm>
+          <a:prstGeom prst="rect">
+            <a:avLst/>
+          </a:prstGeom>
+          <a:gradFill>
+            <a:gsLst>
+              <a:gs pos="0">
+                <a:srgbClr val="DCECD5"/>
+              </a:gs>
+              <a:gs pos="100000">
+                <a:srgbClr val="93BC81"/>
+              </a:gs>
+            </a:gsLst>
+            <a:path path="circle">
+              <a:fillToRect l="50000" t="50000" r="50000" b="50000"/>
+            </a:path>
+            <a:tileRect/>
+          </a:gradFill>
+          <a:ln>
+            <a:noFill/>
+          </a:ln>
+        </p:spPr>
+        <p:txBody>
+          <a:bodyPr spcFirstLastPara="1" wrap="square" lIns="91425" tIns="91425" rIns="91425" bIns="91425" anchor="t" anchorCtr="0">
+            <a:spAutoFit/>
+          </a:bodyPr>
+          <a:lstStyle/>
+          <a:p>
+            <a:pPr marL="0" lvl="0" indent="0" algn="l" rtl="0">
+              <a:spcBef>
+                <a:spcPts val="0"/>
+              </a:spcBef>
+              <a:spcAft>
+                <a:spcPts val="0"/>
+              </a:spcAft>
+              <a:buNone/>
+            </a:pPr>
+            <a:r>
+              <a:rPr lang="en-GB" sz="2400" b="1"/>
+              <a:t>                                        </a:t>
+            </a:r>
+            <a:endParaRPr sz="2400" b="1"/>
+          </a:p>
+        </p:txBody>
+      </p:sp>
+      <p:sp>
+        <p:nvSpPr>
+          <p:cNvPr id="198" name="Google Shape;198;p27"/>
+          <p:cNvSpPr txBox="1"/>
+          <p:nvPr/>
+        </p:nvSpPr>
+        <p:spPr>
+          <a:xfrm>
+            <a:off x="0" y="4743300"/>
+            <a:ext cx="6709800" cy="400079"/>
+          </a:xfrm>
+          <a:prstGeom prst="rect">
+            <a:avLst/>
+          </a:prstGeom>
+          <a:solidFill>
+            <a:srgbClr val="EA9999"/>
+          </a:solidFill>
+          <a:ln>
+            <a:noFill/>
+          </a:ln>
+        </p:spPr>
+        <p:txBody>
+          <a:bodyPr spcFirstLastPara="1" wrap="square" lIns="91425" tIns="91425" rIns="91425" bIns="91425" anchor="t" anchorCtr="0">
+            <a:spAutoFit/>
+          </a:bodyPr>
+          <a:lstStyle/>
+          <a:p>
+            <a:r>
+              <a:rPr lang="en-US" sz="1400" b="1" dirty="0">
+                <a:solidFill>
+                  <a:srgbClr val="134F5C"/>
+                </a:solidFill>
+              </a:rPr>
+              <a:t>Machine Learning based approach for Diabetes Prediction</a:t>
+            </a:r>
+            <a:endParaRPr lang="en-US" sz="1400" dirty="0">
+              <a:latin typeface="Merriweather Black"/>
+              <a:ea typeface="Merriweather Black"/>
+              <a:cs typeface="Merriweather Black"/>
+              <a:sym typeface="Merriweather Black"/>
+            </a:endParaRPr>
+          </a:p>
+        </p:txBody>
+      </p:sp>
+      <p:sp>
+        <p:nvSpPr>
+          <p:cNvPr id="199" name="Google Shape;199;p27"/>
+          <p:cNvSpPr txBox="1"/>
+          <p:nvPr/>
+        </p:nvSpPr>
+        <p:spPr>
+          <a:xfrm>
+            <a:off x="6709825" y="4743300"/>
+            <a:ext cx="2434200" cy="400079"/>
+          </a:xfrm>
+          <a:prstGeom prst="rect">
+            <a:avLst/>
+          </a:prstGeom>
+          <a:solidFill>
+            <a:srgbClr val="B6D7A8"/>
+          </a:solidFill>
+          <a:ln>
+            <a:noFill/>
+          </a:ln>
+        </p:spPr>
+        <p:txBody>
+          <a:bodyPr spcFirstLastPara="1" wrap="square" lIns="91425" tIns="91425" rIns="91425" bIns="91425" anchor="t" anchorCtr="0">
+            <a:spAutoFit/>
+          </a:bodyPr>
+          <a:lstStyle/>
+          <a:p>
+            <a:pPr algn="ctr"/>
+            <a:r>
+              <a:rPr lang="en-GB" sz="1400" dirty="0">
+                <a:latin typeface="Merriweather Black"/>
+                <a:ea typeface="Merriweather Black"/>
+                <a:cs typeface="Merriweather Black"/>
+                <a:sym typeface="Merriweather Black"/>
+              </a:rPr>
+              <a:t>April 24, 2023</a:t>
+            </a:r>
+          </a:p>
+        </p:txBody>
+      </p:sp>
+      <p:sp>
+        <p:nvSpPr>
+          <p:cNvPr id="200" name="Google Shape;200;p27"/>
+          <p:cNvSpPr txBox="1"/>
+          <p:nvPr/>
+        </p:nvSpPr>
+        <p:spPr>
+          <a:xfrm>
+            <a:off x="1651025" y="1777975"/>
+            <a:ext cx="6096000" cy="1431600"/>
+          </a:xfrm>
+          <a:prstGeom prst="rect">
+            <a:avLst/>
+          </a:prstGeom>
+          <a:noFill/>
+          <a:ln>
+            <a:noFill/>
+          </a:ln>
+        </p:spPr>
+        <p:txBody>
+          <a:bodyPr spcFirstLastPara="1" wrap="square" lIns="91425" tIns="91425" rIns="91425" bIns="91425" anchor="t" anchorCtr="0">
+            <a:spAutoFit/>
+          </a:bodyPr>
+          <a:lstStyle/>
+          <a:p>
+            <a:pPr marL="0" lvl="0" indent="0" algn="l" rtl="0">
+              <a:spcBef>
+                <a:spcPts val="0"/>
+              </a:spcBef>
+              <a:spcAft>
+                <a:spcPts val="0"/>
+              </a:spcAft>
+              <a:buNone/>
+            </a:pPr>
+            <a:r>
+              <a:rPr lang="en-GB" sz="8100">
+                <a:latin typeface="Merriweather Black"/>
+                <a:ea typeface="Merriweather Black"/>
+                <a:cs typeface="Merriweather Black"/>
+                <a:sym typeface="Merriweather Black"/>
+              </a:rPr>
+              <a:t>Thank You</a:t>
+            </a:r>
+            <a:endParaRPr sz="8100">
+              <a:latin typeface="Merriweather Black"/>
+              <a:ea typeface="Merriweather Black"/>
+              <a:cs typeface="Merriweather Black"/>
+              <a:sym typeface="Merriweather Black"/>
+            </a:endParaRPr>
+          </a:p>
+        </p:txBody>
+      </p:sp>
+      <p:pic>
+        <p:nvPicPr>
+          <p:cNvPr id="201" name="Google Shape;201;p27"/>
+          <p:cNvPicPr preferRelativeResize="0"/>
+          <p:nvPr/>
+        </p:nvPicPr>
+        <p:blipFill rotWithShape="1">
+          <a:blip r:embed="rId3">
+            <a:alphaModFix/>
+          </a:blip>
+          <a:srcRect/>
+          <a:stretch/>
+        </p:blipFill>
+        <p:spPr>
+          <a:xfrm>
+            <a:off x="8456100" y="0"/>
+            <a:ext cx="687900" cy="554100"/>
+          </a:xfrm>
+          <a:prstGeom prst="rect">
+            <a:avLst/>
+          </a:prstGeom>
+          <a:noFill/>
+          <a:ln>
+            <a:noFill/>
+          </a:ln>
+        </p:spPr>
+      </p:pic>
+    </p:spTree>
+  </p:cSld>
+  <p:clrMapOvr>
+    <a:masterClrMapping/>
+  </p:clrMapOvr>
+</p:sld>
+</file>
+
 <file path=ppt/slides/slide2.xml><?xml version="1.0" encoding="utf-8"?>
 <p:sld xmlns:a="http://schemas.openxmlformats.org/drawingml/2006/main" xmlns:r="http://schemas.openxmlformats.org/officeDocument/2006/relationships" xmlns:p="http://schemas.openxmlformats.org/presentationml/2006/main">
   <p:cSld>
@@ -7300,7 +8351,7 @@
         </p:blipFill>
         <p:spPr>
           <a:xfrm>
-            <a:off x="8456100" y="0"/>
+            <a:off x="8456100" y="28153"/>
             <a:ext cx="687900" cy="554100"/>
           </a:xfrm>
           <a:prstGeom prst="rect">
@@ -7321,7 +8372,7 @@
         <p:spPr>
           <a:xfrm>
             <a:off x="649826" y="1391008"/>
-            <a:ext cx="6096000" cy="1777379"/>
+            <a:ext cx="6096000" cy="2733026"/>
           </a:xfrm>
           <a:prstGeom prst="rect">
             <a:avLst/>
@@ -7351,7 +8402,7 @@
               <a:buChar char="Ø"/>
             </a:pPr>
             <a:r>
-              <a:rPr lang="en-GB" sz="1800" dirty="0">
+              <a:rPr lang="en-GB" sz="2400" dirty="0">
                 <a:solidFill>
                   <a:schemeClr val="dk1"/>
                 </a:solidFill>
@@ -7374,7 +8425,30 @@
               <a:buChar char="Ø"/>
             </a:pPr>
             <a:r>
-              <a:rPr lang="en-GB" sz="1800" dirty="0">
+              <a:rPr lang="en-GB" sz="2400" dirty="0">
+                <a:solidFill>
+                  <a:schemeClr val="dk1"/>
+                </a:solidFill>
+              </a:rPr>
+              <a:t>Motivation</a:t>
+            </a:r>
+          </a:p>
+          <a:p>
+            <a:pPr marL="0" lvl="0" indent="0" algn="l" rtl="0">
+              <a:lnSpc>
+                <a:spcPct val="115000"/>
+              </a:lnSpc>
+              <a:spcBef>
+                <a:spcPts val="0"/>
+              </a:spcBef>
+              <a:spcAft>
+                <a:spcPts val="0"/>
+              </a:spcAft>
+              <a:buFont typeface="Wingdings" pitchFamily="2" charset="2"/>
+              <a:buChar char="Ø"/>
+            </a:pPr>
+            <a:r>
+              <a:rPr lang="en-GB" sz="2400" dirty="0">
                 <a:solidFill>
                   <a:schemeClr val="dk1"/>
                 </a:solidFill>
@@ -7397,12 +8471,12 @@
               <a:buChar char="Ø"/>
             </a:pPr>
             <a:r>
-              <a:rPr lang="en-GB" sz="1800" dirty="0">
+              <a:rPr lang="en-GB" sz="2400" dirty="0">
                 <a:solidFill>
                   <a:schemeClr val="dk1"/>
                 </a:solidFill>
               </a:rPr>
-              <a:t>Motivation</a:t>
+              <a:t>Objectives</a:t>
             </a:r>
           </a:p>
           <a:p>
@@ -7420,7 +8494,7 @@
               <a:buChar char="Ø"/>
             </a:pPr>
             <a:r>
-              <a:rPr lang="en-GB" sz="1800" dirty="0">
+              <a:rPr lang="en-GB" sz="2400" dirty="0">
                 <a:solidFill>
                   <a:schemeClr val="dk1"/>
                 </a:solidFill>
@@ -7443,7 +8517,7 @@
               <a:buChar char="Ø"/>
             </a:pPr>
             <a:r>
-              <a:rPr lang="en-GB" sz="1800" dirty="0">
+              <a:rPr lang="en-GB" sz="2400" dirty="0">
                 <a:solidFill>
                   <a:schemeClr val="dk1"/>
                 </a:solidFill>
@@ -7575,6 +8649,36 @@
           </a:p>
         </p:txBody>
       </p:sp>
+      <p:pic>
+        <p:nvPicPr>
+          <p:cNvPr id="3" name="Picture 2">
+            <a:extLst>
+              <a:ext uri="{FF2B5EF4-FFF2-40B4-BE49-F238E27FC236}">
+                <a16:creationId xmlns:a16="http://schemas.microsoft.com/office/drawing/2014/main" id="{96B1A0EB-80F6-211C-9AD9-9BB9DC0430F4}"/>
+              </a:ext>
+            </a:extLst>
+          </p:cNvPr>
+          <p:cNvPicPr>
+            <a:picLocks noChangeAspect="1"/>
+          </p:cNvPicPr>
+          <p:nvPr/>
+        </p:nvPicPr>
+        <p:blipFill>
+          <a:blip r:embed="rId4"/>
+          <a:stretch>
+            <a:fillRect/>
+          </a:stretch>
+        </p:blipFill>
+        <p:spPr>
+          <a:xfrm>
+            <a:off x="5664630" y="582253"/>
+            <a:ext cx="3487969" cy="4161047"/>
+          </a:xfrm>
+          <a:prstGeom prst="rect">
+            <a:avLst/>
+          </a:prstGeom>
+        </p:spPr>
+      </p:pic>
     </p:spTree>
   </p:cSld>
   <p:clrMapOvr>
@@ -7914,7 +9018,7 @@
         <p:spPr>
           <a:xfrm>
             <a:off x="0" y="848544"/>
-            <a:ext cx="8880529" cy="2149020"/>
+            <a:ext cx="8880529" cy="4184192"/>
           </a:xfrm>
           <a:prstGeom prst="rect">
             <a:avLst/>
@@ -7944,7 +9048,7 @@
               <a:buChar char="Ø"/>
             </a:pPr>
             <a:r>
-              <a:rPr lang="en-GB" sz="1900" dirty="0">
+              <a:rPr lang="en-GB" sz="1600" dirty="0">
                 <a:solidFill>
                   <a:schemeClr val="dk1"/>
                 </a:solidFill>
@@ -7952,18 +9056,18 @@
               <a:t>Diabetes : </a:t>
             </a:r>
             <a:r>
-              <a:rPr lang="en-US" sz="1800" dirty="0">
+              <a:rPr lang="en-US" sz="1600" dirty="0">
                 <a:solidFill>
-                  <a:srgbClr val="374151"/>
+                  <a:schemeClr val="tx1"/>
                 </a:solidFill>
                 <a:latin typeface="+mj-lt"/>
               </a:rPr>
               <a:t>A</a:t>
             </a:r>
             <a:r>
-              <a:rPr lang="en-US" sz="1800" b="0" i="0" dirty="0">
+              <a:rPr lang="en-US" sz="1600" b="0" i="0" dirty="0">
                 <a:solidFill>
-                  <a:srgbClr val="374151"/>
+                  <a:schemeClr val="tx1"/>
                 </a:solidFill>
                 <a:effectLst/>
                 <a:latin typeface="+mj-lt"/>
@@ -7971,9 +9075,9 @@
               <a:t> </a:t>
             </a:r>
             <a:r>
-              <a:rPr lang="en-US" sz="1800" i="0" dirty="0">
+              <a:rPr lang="en-US" sz="1600" i="0" dirty="0">
                 <a:solidFill>
-                  <a:srgbClr val="374151"/>
+                  <a:schemeClr val="tx1"/>
                 </a:solidFill>
                 <a:effectLst/>
                 <a:latin typeface="+mj-lt"/>
@@ -7981,21 +9085,15 @@
               <a:t>chronic disease </a:t>
             </a:r>
             <a:r>
-              <a:rPr lang="en-US" sz="1800" b="0" i="0" dirty="0">
+              <a:rPr lang="en-US" sz="1600" b="0" i="0" dirty="0">
                 <a:solidFill>
-                  <a:srgbClr val="374151"/>
+                  <a:schemeClr val="tx1"/>
                 </a:solidFill>
                 <a:effectLst/>
                 <a:latin typeface="+mj-lt"/>
               </a:rPr>
               <a:t>that affects millions of people worldwide</a:t>
             </a:r>
-            <a:endParaRPr lang="en-GB" sz="1800" dirty="0">
-              <a:solidFill>
-                <a:schemeClr val="dk1"/>
-              </a:solidFill>
-              <a:latin typeface="+mj-lt"/>
-            </a:endParaRPr>
           </a:p>
           <a:p>
             <a:pPr marL="0" lvl="0" indent="0" algn="l" rtl="0">
@@ -8011,14 +9109,35 @@
               <a:buFont typeface="Wingdings" pitchFamily="2" charset="2"/>
               <a:buChar char="Ø"/>
             </a:pPr>
+            <a:endParaRPr lang="en-GB" dirty="0">
+              <a:solidFill>
+                <a:schemeClr val="tx1"/>
+              </a:solidFill>
+              <a:latin typeface="+mj-lt"/>
+            </a:endParaRPr>
+          </a:p>
+          <a:p>
+            <a:pPr marL="0" lvl="0" indent="0" algn="l" rtl="0">
+              <a:lnSpc>
+                <a:spcPct val="115000"/>
+              </a:lnSpc>
+              <a:spcBef>
+                <a:spcPts val="0"/>
+              </a:spcBef>
+              <a:spcAft>
+                <a:spcPts val="0"/>
+              </a:spcAft>
+              <a:buFont typeface="Wingdings" pitchFamily="2" charset="2"/>
+              <a:buChar char="Ø"/>
+            </a:pPr>
             <a:r>
-              <a:rPr lang="en-US" sz="1800" dirty="0">
+              <a:rPr lang="en-US" dirty="0">
                 <a:latin typeface="Arial" panose="020B0604020202020204" pitchFamily="34" charset="0"/>
               </a:rPr>
               <a:t>E</a:t>
             </a:r>
             <a:r>
-              <a:rPr lang="en-US" sz="1800" b="0" i="0" u="none" strike="noStrike" dirty="0">
+              <a:rPr lang="en-US" b="0" i="0" u="none" strike="noStrike" dirty="0">
                 <a:solidFill>
                   <a:srgbClr val="000000"/>
                 </a:solidFill>
@@ -8027,7 +9146,79 @@
               </a:rPr>
               <a:t>conomic burden of Type 2 Diabetes (T2D) on society has increased over time</a:t>
             </a:r>
-            <a:endParaRPr lang="en-GB" sz="1900" dirty="0">
+          </a:p>
+          <a:p>
+            <a:pPr marL="0" lvl="0" indent="0" algn="l" rtl="0">
+              <a:lnSpc>
+                <a:spcPct val="115000"/>
+              </a:lnSpc>
+              <a:spcBef>
+                <a:spcPts val="0"/>
+              </a:spcBef>
+              <a:spcAft>
+                <a:spcPts val="0"/>
+              </a:spcAft>
+              <a:buFont typeface="Wingdings" pitchFamily="2" charset="2"/>
+              <a:buChar char="Ø"/>
+            </a:pPr>
+            <a:endParaRPr lang="en-US" b="0" i="0" u="none" strike="noStrike" dirty="0">
+              <a:solidFill>
+                <a:srgbClr val="000000"/>
+              </a:solidFill>
+              <a:effectLst/>
+              <a:latin typeface="Arial" panose="020B0604020202020204" pitchFamily="34" charset="0"/>
+            </a:endParaRPr>
+          </a:p>
+          <a:p>
+            <a:pPr>
+              <a:lnSpc>
+                <a:spcPct val="115000"/>
+              </a:lnSpc>
+              <a:buFont typeface="Wingdings" pitchFamily="2" charset="2"/>
+              <a:buChar char="Ø"/>
+            </a:pPr>
+            <a:r>
+              <a:rPr lang="en-US" i="0" dirty="0">
+                <a:solidFill>
+                  <a:schemeClr val="tx1"/>
+                </a:solidFill>
+                <a:effectLst/>
+                <a:latin typeface="Arial" panose="020B0604020202020204" pitchFamily="34" charset="0"/>
+              </a:rPr>
+              <a:t>The number of people with diabetes rose from 108 million in 1980 to 422 million in 2014. Prevalence has been rising more rapidly in low- and middle-income countries than in high-income countries</a:t>
+            </a:r>
+            <a:r>
+              <a:rPr lang="en-US" dirty="0">
+                <a:solidFill>
+                  <a:srgbClr val="3C4245"/>
+                </a:solidFill>
+                <a:latin typeface="Arial" panose="020B0604020202020204" pitchFamily="34" charset="0"/>
+              </a:rPr>
+              <a:t> (source: WHO)</a:t>
+            </a:r>
+            <a:endParaRPr lang="en-US" i="0" dirty="0">
+              <a:solidFill>
+                <a:srgbClr val="3C4245"/>
+              </a:solidFill>
+              <a:effectLst/>
+              <a:latin typeface="Arial" panose="020B0604020202020204" pitchFamily="34" charset="0"/>
+            </a:endParaRPr>
+          </a:p>
+          <a:p>
+            <a:pPr marL="0" lvl="0" indent="0" algn="l" rtl="0">
+              <a:lnSpc>
+                <a:spcPct val="115000"/>
+              </a:lnSpc>
+              <a:spcBef>
+                <a:spcPts val="0"/>
+              </a:spcBef>
+              <a:spcAft>
+                <a:spcPts val="0"/>
+              </a:spcAft>
+              <a:buFont typeface="Wingdings" pitchFamily="2" charset="2"/>
+              <a:buChar char="Ø"/>
+            </a:pPr>
+            <a:endParaRPr lang="en-GB" dirty="0">
               <a:solidFill>
                 <a:schemeClr val="dk1"/>
               </a:solidFill>
@@ -8048,7 +9239,7 @@
               <a:buChar char="Ø"/>
             </a:pPr>
             <a:r>
-              <a:rPr lang="en-US" sz="1800" b="0" i="0" u="none" strike="noStrike" dirty="0">
+              <a:rPr lang="en-US" b="0" i="0" u="none" strike="noStrike" dirty="0">
                 <a:solidFill>
                   <a:srgbClr val="000000"/>
                 </a:solidFill>
@@ -8057,7 +9248,22 @@
               </a:rPr>
               <a:t>Early prediction of diabetes and prediabetes can reduce treatment costs and improve intervention</a:t>
             </a:r>
-            <a:endParaRPr lang="en-GB" sz="1900" dirty="0">
+          </a:p>
+          <a:p>
+            <a:pPr marL="0" lvl="0" indent="0" algn="l" rtl="0">
+              <a:lnSpc>
+                <a:spcPct val="115000"/>
+              </a:lnSpc>
+              <a:spcBef>
+                <a:spcPts val="0"/>
+              </a:spcBef>
+              <a:spcAft>
+                <a:spcPts val="0"/>
+              </a:spcAft>
+              <a:buFont typeface="Wingdings" pitchFamily="2" charset="2"/>
+              <a:buChar char="Ø"/>
+            </a:pPr>
+            <a:endParaRPr lang="en-GB" dirty="0">
               <a:solidFill>
                 <a:schemeClr val="dk1"/>
               </a:solidFill>
@@ -8078,7 +9284,7 @@
               <a:buChar char="Ø"/>
             </a:pPr>
             <a:r>
-              <a:rPr lang="en-GB" sz="1900" dirty="0">
+              <a:rPr lang="en-GB" dirty="0">
                 <a:solidFill>
                   <a:schemeClr val="dk1"/>
                 </a:solidFill>
@@ -8100,14 +9306,93 @@
               <a:buFont typeface="Wingdings" pitchFamily="2" charset="2"/>
               <a:buChar char="Ø"/>
             </a:pPr>
+            <a:endParaRPr lang="en-GB" dirty="0">
+              <a:solidFill>
+                <a:schemeClr val="dk1"/>
+              </a:solidFill>
+            </a:endParaRPr>
+          </a:p>
+          <a:p>
+            <a:pPr marL="0" lvl="0" indent="0" algn="l" rtl="0">
+              <a:lnSpc>
+                <a:spcPct val="115000"/>
+              </a:lnSpc>
+              <a:spcBef>
+                <a:spcPts val="0"/>
+              </a:spcBef>
+              <a:spcAft>
+                <a:spcPts val="0"/>
+              </a:spcAft>
+              <a:buFont typeface="Wingdings" pitchFamily="2" charset="2"/>
+              <a:buChar char="Ø"/>
+            </a:pPr>
             <a:r>
-              <a:rPr lang="en-GB" sz="1900" dirty="0">
+              <a:rPr lang="en-GB" dirty="0">
                 <a:solidFill>
                   <a:schemeClr val="dk1"/>
                 </a:solidFill>
               </a:rPr>
               <a:t>Health check up data taken as subject under test</a:t>
             </a:r>
+          </a:p>
+          <a:p>
+            <a:pPr marL="0" lvl="0" indent="0" algn="l" rtl="0">
+              <a:lnSpc>
+                <a:spcPct val="115000"/>
+              </a:lnSpc>
+              <a:spcBef>
+                <a:spcPts val="0"/>
+              </a:spcBef>
+              <a:spcAft>
+                <a:spcPts val="0"/>
+              </a:spcAft>
+              <a:buFont typeface="Wingdings" pitchFamily="2" charset="2"/>
+              <a:buChar char="Ø"/>
+            </a:pPr>
+            <a:endParaRPr lang="en-GB" dirty="0">
+              <a:solidFill>
+                <a:schemeClr val="dk1"/>
+              </a:solidFill>
+            </a:endParaRPr>
+          </a:p>
+          <a:p>
+            <a:pPr>
+              <a:lnSpc>
+                <a:spcPct val="115000"/>
+              </a:lnSpc>
+              <a:buFont typeface="Wingdings" pitchFamily="2" charset="2"/>
+              <a:buChar char="Ø"/>
+            </a:pPr>
+            <a:r>
+              <a:rPr lang="en-US" i="0" dirty="0">
+                <a:solidFill>
+                  <a:srgbClr val="3C4245"/>
+                </a:solidFill>
+                <a:effectLst/>
+                <a:latin typeface="Arial" panose="020B0604020202020204" pitchFamily="34" charset="0"/>
+              </a:rPr>
+              <a:t>A healthy diet, regular physical activity, maintaining a normal body weight and avoiding tobacco use are ways to prevent or delay the onset of type 2 diabetes.</a:t>
+            </a:r>
+          </a:p>
+          <a:p>
+            <a:pPr marL="0" lvl="0" indent="0" algn="l" rtl="0">
+              <a:lnSpc>
+                <a:spcPct val="115000"/>
+              </a:lnSpc>
+              <a:spcBef>
+                <a:spcPts val="0"/>
+              </a:spcBef>
+              <a:spcAft>
+                <a:spcPts val="0"/>
+              </a:spcAft>
+              <a:buFont typeface="Wingdings" pitchFamily="2" charset="2"/>
+              <a:buChar char="Ø"/>
+            </a:pPr>
+            <a:endParaRPr lang="en-GB" dirty="0">
+              <a:solidFill>
+                <a:schemeClr val="dk1"/>
+              </a:solidFill>
+            </a:endParaRPr>
           </a:p>
         </p:txBody>
       </p:sp>
@@ -8147,421 +9432,6 @@
 </file>
 
 <file path=ppt/slides/slide4.xml><?xml version="1.0" encoding="utf-8"?>
-<p:sld xmlns:a="http://schemas.openxmlformats.org/drawingml/2006/main" xmlns:r="http://schemas.openxmlformats.org/officeDocument/2006/relationships" xmlns:p="http://schemas.openxmlformats.org/presentationml/2006/main">
-  <p:cSld>
-    <p:spTree>
-      <p:nvGrpSpPr>
-        <p:cNvPr id="1" name="Shape 111"/>
-        <p:cNvGrpSpPr/>
-        <p:nvPr/>
-      </p:nvGrpSpPr>
-      <p:grpSpPr>
-        <a:xfrm>
-          <a:off x="0" y="0"/>
-          <a:ext cx="0" cy="0"/>
-          <a:chOff x="0" y="0"/>
-          <a:chExt cx="0" cy="0"/>
-        </a:xfrm>
-      </p:grpSpPr>
-      <p:sp>
-        <p:nvSpPr>
-          <p:cNvPr id="112" name="Google Shape;112;p18"/>
-          <p:cNvSpPr txBox="1"/>
-          <p:nvPr/>
-        </p:nvSpPr>
-        <p:spPr>
-          <a:xfrm>
-            <a:off x="0" y="0"/>
-            <a:ext cx="9133500" cy="554100"/>
-          </a:xfrm>
-          <a:prstGeom prst="rect">
-            <a:avLst/>
-          </a:prstGeom>
-          <a:gradFill>
-            <a:gsLst>
-              <a:gs pos="0">
-                <a:srgbClr val="DCECD5"/>
-              </a:gs>
-              <a:gs pos="100000">
-                <a:srgbClr val="93BC81"/>
-              </a:gs>
-            </a:gsLst>
-            <a:path path="circle">
-              <a:fillToRect l="50000" t="50000" r="50000" b="50000"/>
-            </a:path>
-            <a:tileRect/>
-          </a:gradFill>
-          <a:ln>
-            <a:noFill/>
-          </a:ln>
-        </p:spPr>
-        <p:txBody>
-          <a:bodyPr spcFirstLastPara="1" wrap="square" lIns="91425" tIns="91425" rIns="91425" bIns="91425" anchor="t" anchorCtr="0">
-            <a:spAutoFit/>
-          </a:bodyPr>
-          <a:lstStyle/>
-          <a:p>
-            <a:pPr marL="0" lvl="0" indent="0" algn="l" rtl="0">
-              <a:spcBef>
-                <a:spcPts val="0"/>
-              </a:spcBef>
-              <a:spcAft>
-                <a:spcPts val="0"/>
-              </a:spcAft>
-              <a:buNone/>
-            </a:pPr>
-            <a:r>
-              <a:rPr lang="en-GB" sz="2400" b="1"/>
-              <a:t>                                 PROBLEM STATEMENT</a:t>
-            </a:r>
-            <a:endParaRPr sz="2400" b="1"/>
-          </a:p>
-        </p:txBody>
-      </p:sp>
-      <p:pic>
-        <p:nvPicPr>
-          <p:cNvPr id="113" name="Google Shape;113;p18"/>
-          <p:cNvPicPr preferRelativeResize="0"/>
-          <p:nvPr/>
-        </p:nvPicPr>
-        <p:blipFill rotWithShape="1">
-          <a:blip r:embed="rId3">
-            <a:alphaModFix/>
-          </a:blip>
-          <a:srcRect/>
-          <a:stretch/>
-        </p:blipFill>
-        <p:spPr>
-          <a:xfrm>
-            <a:off x="8456100" y="0"/>
-            <a:ext cx="687900" cy="554100"/>
-          </a:xfrm>
-          <a:prstGeom prst="rect">
-            <a:avLst/>
-          </a:prstGeom>
-          <a:noFill/>
-          <a:ln>
-            <a:noFill/>
-          </a:ln>
-        </p:spPr>
-      </p:pic>
-      <p:sp>
-        <p:nvSpPr>
-          <p:cNvPr id="114" name="Google Shape;114;p18"/>
-          <p:cNvSpPr txBox="1"/>
-          <p:nvPr/>
-        </p:nvSpPr>
-        <p:spPr>
-          <a:xfrm>
-            <a:off x="0" y="4774296"/>
-            <a:ext cx="6731100" cy="400079"/>
-          </a:xfrm>
-          <a:prstGeom prst="rect">
-            <a:avLst/>
-          </a:prstGeom>
-          <a:solidFill>
-            <a:srgbClr val="EA9999"/>
-          </a:solidFill>
-          <a:ln>
-            <a:noFill/>
-          </a:ln>
-        </p:spPr>
-        <p:txBody>
-          <a:bodyPr spcFirstLastPara="1" wrap="square" lIns="91425" tIns="91425" rIns="91425" bIns="91425" anchor="t" anchorCtr="0">
-            <a:spAutoFit/>
-          </a:bodyPr>
-          <a:lstStyle/>
-          <a:p>
-            <a:r>
-              <a:rPr lang="en-US" sz="1400" b="1" dirty="0">
-                <a:solidFill>
-                  <a:srgbClr val="134F5C"/>
-                </a:solidFill>
-              </a:rPr>
-              <a:t>Machine Learning based approach for Diabetes Prediction</a:t>
-            </a:r>
-            <a:endParaRPr lang="en-US" sz="1400" dirty="0">
-              <a:latin typeface="Merriweather Black"/>
-              <a:ea typeface="Merriweather Black"/>
-              <a:cs typeface="Merriweather Black"/>
-              <a:sym typeface="Merriweather Black"/>
-            </a:endParaRPr>
-          </a:p>
-        </p:txBody>
-      </p:sp>
-      <p:sp>
-        <p:nvSpPr>
-          <p:cNvPr id="115" name="Google Shape;115;p18"/>
-          <p:cNvSpPr txBox="1"/>
-          <p:nvPr/>
-        </p:nvSpPr>
-        <p:spPr>
-          <a:xfrm>
-            <a:off x="6731100" y="4743300"/>
-            <a:ext cx="2402400" cy="400079"/>
-          </a:xfrm>
-          <a:prstGeom prst="rect">
-            <a:avLst/>
-          </a:prstGeom>
-          <a:solidFill>
-            <a:srgbClr val="B6D7A8"/>
-          </a:solidFill>
-          <a:ln>
-            <a:noFill/>
-          </a:ln>
-        </p:spPr>
-        <p:txBody>
-          <a:bodyPr spcFirstLastPara="1" wrap="square" lIns="91425" tIns="91425" rIns="91425" bIns="91425" anchor="t" anchorCtr="0">
-            <a:spAutoFit/>
-          </a:bodyPr>
-          <a:lstStyle/>
-          <a:p>
-            <a:pPr algn="ctr"/>
-            <a:r>
-              <a:rPr lang="en-GB" sz="1400" dirty="0">
-                <a:latin typeface="Merriweather Black"/>
-                <a:ea typeface="Merriweather Black"/>
-                <a:cs typeface="Merriweather Black"/>
-                <a:sym typeface="Merriweather Black"/>
-              </a:rPr>
-              <a:t>April 24, 2023</a:t>
-            </a:r>
-          </a:p>
-        </p:txBody>
-      </p:sp>
-      <p:sp>
-        <p:nvSpPr>
-          <p:cNvPr id="116" name="Google Shape;116;p18"/>
-          <p:cNvSpPr txBox="1"/>
-          <p:nvPr/>
-        </p:nvSpPr>
-        <p:spPr>
-          <a:xfrm>
-            <a:off x="433923" y="624425"/>
-            <a:ext cx="7109877" cy="1865865"/>
-          </a:xfrm>
-          <a:prstGeom prst="rect">
-            <a:avLst/>
-          </a:prstGeom>
-          <a:noFill/>
-          <a:ln>
-            <a:noFill/>
-          </a:ln>
-        </p:spPr>
-        <p:txBody>
-          <a:bodyPr spcFirstLastPara="1" wrap="square" lIns="91425" tIns="91425" rIns="91425" bIns="91425" anchor="t" anchorCtr="0">
-            <a:spAutoFit/>
-          </a:bodyPr>
-          <a:lstStyle/>
-          <a:p>
-            <a:pPr marL="0" lvl="0" indent="0" algn="l" rtl="0">
-              <a:lnSpc>
-                <a:spcPct val="115000"/>
-              </a:lnSpc>
-              <a:spcBef>
-                <a:spcPts val="0"/>
-              </a:spcBef>
-              <a:spcAft>
-                <a:spcPts val="0"/>
-              </a:spcAft>
-              <a:buFont typeface="Wingdings" pitchFamily="2" charset="2"/>
-              <a:buChar char="Ø"/>
-            </a:pPr>
-            <a:r>
-              <a:rPr lang="en-US" sz="1900" dirty="0">
-                <a:solidFill>
-                  <a:schemeClr val="dk1"/>
-                </a:solidFill>
-              </a:rPr>
-              <a:t>Aim to reduce the death rate due to diabetes</a:t>
-            </a:r>
-          </a:p>
-          <a:p>
-            <a:pPr marL="0" lvl="0" indent="0" algn="l" rtl="0">
-              <a:lnSpc>
-                <a:spcPct val="115000"/>
-              </a:lnSpc>
-              <a:spcBef>
-                <a:spcPts val="0"/>
-              </a:spcBef>
-              <a:spcAft>
-                <a:spcPts val="0"/>
-              </a:spcAft>
-              <a:buFont typeface="Wingdings" pitchFamily="2" charset="2"/>
-              <a:buChar char="Ø"/>
-            </a:pPr>
-            <a:r>
-              <a:rPr lang="en-US" sz="1900" dirty="0">
-                <a:solidFill>
-                  <a:schemeClr val="dk1"/>
-                </a:solidFill>
-              </a:rPr>
-              <a:t>Implementing latest technological advancements such as Machine learning &amp; AI</a:t>
-            </a:r>
-          </a:p>
-          <a:p>
-            <a:pPr marL="0" lvl="0" indent="0" algn="l" rtl="0">
-              <a:lnSpc>
-                <a:spcPct val="115000"/>
-              </a:lnSpc>
-              <a:spcBef>
-                <a:spcPts val="0"/>
-              </a:spcBef>
-              <a:spcAft>
-                <a:spcPts val="0"/>
-              </a:spcAft>
-              <a:buFont typeface="Wingdings" pitchFamily="2" charset="2"/>
-              <a:buChar char="Ø"/>
-            </a:pPr>
-            <a:r>
-              <a:rPr lang="en-US" sz="1900" dirty="0">
-                <a:solidFill>
-                  <a:schemeClr val="dk1"/>
-                </a:solidFill>
-              </a:rPr>
-              <a:t>Specific Life Insurance policy can be suggested to patient based on predicted result.</a:t>
-            </a:r>
-            <a:endParaRPr sz="1900" dirty="0">
-              <a:solidFill>
-                <a:schemeClr val="dk1"/>
-              </a:solidFill>
-            </a:endParaRPr>
-          </a:p>
-        </p:txBody>
-      </p:sp>
-      <p:sp>
-        <p:nvSpPr>
-          <p:cNvPr id="11" name="TextBox 10"/>
-          <p:cNvSpPr txBox="1"/>
-          <p:nvPr/>
-        </p:nvSpPr>
-        <p:spPr>
-          <a:xfrm>
-            <a:off x="4842165" y="4447307"/>
-            <a:ext cx="2323072" cy="523220"/>
-          </a:xfrm>
-          <a:prstGeom prst="rect">
-            <a:avLst/>
-          </a:prstGeom>
-          <a:noFill/>
-        </p:spPr>
-        <p:txBody>
-          <a:bodyPr wrap="none" rtlCol="0">
-            <a:spAutoFit/>
-          </a:bodyPr>
-          <a:lstStyle/>
-          <a:p>
-            <a:r>
-              <a:rPr lang="en-US" dirty="0"/>
-              <a:t>     [Source: ouhealth.com ]</a:t>
-            </a:r>
-          </a:p>
-          <a:p>
-            <a:r>
-              <a:rPr lang="en-US" dirty="0"/>
-              <a:t> </a:t>
-            </a:r>
-          </a:p>
-        </p:txBody>
-      </p:sp>
-      <p:sp>
-        <p:nvSpPr>
-          <p:cNvPr id="12" name="TextBox 11"/>
-          <p:cNvSpPr txBox="1"/>
-          <p:nvPr/>
-        </p:nvSpPr>
-        <p:spPr>
-          <a:xfrm>
-            <a:off x="449448" y="4412673"/>
-            <a:ext cx="3634352" cy="307777"/>
-          </a:xfrm>
-          <a:prstGeom prst="rect">
-            <a:avLst/>
-          </a:prstGeom>
-          <a:noFill/>
-        </p:spPr>
-        <p:txBody>
-          <a:bodyPr wrap="square" rtlCol="0">
-            <a:spAutoFit/>
-          </a:bodyPr>
-          <a:lstStyle/>
-          <a:p>
-            <a:r>
-              <a:rPr lang="en-US" dirty="0"/>
-              <a:t>[Source: Stanford diabetes research center]</a:t>
-            </a:r>
-          </a:p>
-        </p:txBody>
-      </p:sp>
-      <p:pic>
-        <p:nvPicPr>
-          <p:cNvPr id="3" name="Picture 2">
-            <a:extLst>
-              <a:ext uri="{FF2B5EF4-FFF2-40B4-BE49-F238E27FC236}">
-                <a16:creationId xmlns:a16="http://schemas.microsoft.com/office/drawing/2014/main" id="{4C5F54A7-56DE-2DE3-50BA-E7B2EF245FD3}"/>
-              </a:ext>
-            </a:extLst>
-          </p:cNvPr>
-          <p:cNvPicPr>
-            <a:picLocks noChangeAspect="1"/>
-          </p:cNvPicPr>
-          <p:nvPr/>
-        </p:nvPicPr>
-        <p:blipFill>
-          <a:blip r:embed="rId4"/>
-          <a:stretch>
-            <a:fillRect/>
-          </a:stretch>
-        </p:blipFill>
-        <p:spPr>
-          <a:xfrm>
-            <a:off x="260594" y="2455655"/>
-            <a:ext cx="3928821" cy="1957018"/>
-          </a:xfrm>
-          <a:prstGeom prst="rect">
-            <a:avLst/>
-          </a:prstGeom>
-        </p:spPr>
-      </p:pic>
-      <p:pic>
-        <p:nvPicPr>
-          <p:cNvPr id="5" name="Picture 4">
-            <a:extLst>
-              <a:ext uri="{FF2B5EF4-FFF2-40B4-BE49-F238E27FC236}">
-                <a16:creationId xmlns:a16="http://schemas.microsoft.com/office/drawing/2014/main" id="{36228364-A02E-E845-B6DF-F6703707C5D3}"/>
-              </a:ext>
-            </a:extLst>
-          </p:cNvPr>
-          <p:cNvPicPr>
-            <a:picLocks noChangeAspect="1"/>
-          </p:cNvPicPr>
-          <p:nvPr/>
-        </p:nvPicPr>
-        <p:blipFill>
-          <a:blip r:embed="rId5"/>
-          <a:stretch>
-            <a:fillRect/>
-          </a:stretch>
-        </p:blipFill>
-        <p:spPr>
-          <a:xfrm>
-            <a:off x="4786222" y="2193010"/>
-            <a:ext cx="3669877" cy="2219663"/>
-          </a:xfrm>
-          <a:prstGeom prst="rect">
-            <a:avLst/>
-          </a:prstGeom>
-        </p:spPr>
-      </p:pic>
-    </p:spTree>
-  </p:cSld>
-  <p:clrMapOvr>
-    <a:masterClrMapping/>
-  </p:clrMapOvr>
-</p:sld>
-</file>
-
-<file path=ppt/slides/slide5.xml><?xml version="1.0" encoding="utf-8"?>
 <p:sld xmlns:a="http://schemas.openxmlformats.org/drawingml/2006/main" xmlns:r="http://schemas.openxmlformats.org/officeDocument/2006/relationships" xmlns:p="http://schemas.openxmlformats.org/presentationml/2006/main">
   <p:cSld>
     <p:spTree>
@@ -9112,7 +9982,720 @@
 </p:sld>
 </file>
 
+<file path=ppt/slides/slide5.xml><?xml version="1.0" encoding="utf-8"?>
+<p:sld xmlns:a="http://schemas.openxmlformats.org/drawingml/2006/main" xmlns:r="http://schemas.openxmlformats.org/officeDocument/2006/relationships" xmlns:p="http://schemas.openxmlformats.org/presentationml/2006/main">
+  <p:cSld>
+    <p:spTree>
+      <p:nvGrpSpPr>
+        <p:cNvPr id="1" name="Shape 111"/>
+        <p:cNvGrpSpPr/>
+        <p:nvPr/>
+      </p:nvGrpSpPr>
+      <p:grpSpPr>
+        <a:xfrm>
+          <a:off x="0" y="0"/>
+          <a:ext cx="0" cy="0"/>
+          <a:chOff x="0" y="0"/>
+          <a:chExt cx="0" cy="0"/>
+        </a:xfrm>
+      </p:grpSpPr>
+      <p:sp>
+        <p:nvSpPr>
+          <p:cNvPr id="112" name="Google Shape;112;p18"/>
+          <p:cNvSpPr txBox="1"/>
+          <p:nvPr/>
+        </p:nvSpPr>
+        <p:spPr>
+          <a:xfrm>
+            <a:off x="0" y="0"/>
+            <a:ext cx="9133500" cy="554100"/>
+          </a:xfrm>
+          <a:prstGeom prst="rect">
+            <a:avLst/>
+          </a:prstGeom>
+          <a:gradFill>
+            <a:gsLst>
+              <a:gs pos="0">
+                <a:srgbClr val="DCECD5"/>
+              </a:gs>
+              <a:gs pos="100000">
+                <a:srgbClr val="93BC81"/>
+              </a:gs>
+            </a:gsLst>
+            <a:path path="circle">
+              <a:fillToRect l="50000" t="50000" r="50000" b="50000"/>
+            </a:path>
+            <a:tileRect/>
+          </a:gradFill>
+          <a:ln>
+            <a:noFill/>
+          </a:ln>
+        </p:spPr>
+        <p:txBody>
+          <a:bodyPr spcFirstLastPara="1" wrap="square" lIns="91425" tIns="91425" rIns="91425" bIns="91425" anchor="t" anchorCtr="0">
+            <a:spAutoFit/>
+          </a:bodyPr>
+          <a:lstStyle/>
+          <a:p>
+            <a:pPr marL="0" lvl="0" indent="0" algn="l" rtl="0">
+              <a:spcBef>
+                <a:spcPts val="0"/>
+              </a:spcBef>
+              <a:spcAft>
+                <a:spcPts val="0"/>
+              </a:spcAft>
+              <a:buNone/>
+            </a:pPr>
+            <a:r>
+              <a:rPr lang="en-GB" sz="2400" b="1"/>
+              <a:t>                                 PROBLEM STATEMENT</a:t>
+            </a:r>
+            <a:endParaRPr sz="2400" b="1"/>
+          </a:p>
+        </p:txBody>
+      </p:sp>
+      <p:pic>
+        <p:nvPicPr>
+          <p:cNvPr id="113" name="Google Shape;113;p18"/>
+          <p:cNvPicPr preferRelativeResize="0"/>
+          <p:nvPr/>
+        </p:nvPicPr>
+        <p:blipFill rotWithShape="1">
+          <a:blip r:embed="rId3">
+            <a:alphaModFix/>
+          </a:blip>
+          <a:srcRect/>
+          <a:stretch/>
+        </p:blipFill>
+        <p:spPr>
+          <a:xfrm>
+            <a:off x="8456100" y="0"/>
+            <a:ext cx="687900" cy="554100"/>
+          </a:xfrm>
+          <a:prstGeom prst="rect">
+            <a:avLst/>
+          </a:prstGeom>
+          <a:noFill/>
+          <a:ln>
+            <a:noFill/>
+          </a:ln>
+        </p:spPr>
+      </p:pic>
+      <p:sp>
+        <p:nvSpPr>
+          <p:cNvPr id="114" name="Google Shape;114;p18"/>
+          <p:cNvSpPr txBox="1"/>
+          <p:nvPr/>
+        </p:nvSpPr>
+        <p:spPr>
+          <a:xfrm>
+            <a:off x="0" y="4755084"/>
+            <a:ext cx="6731100" cy="400079"/>
+          </a:xfrm>
+          <a:prstGeom prst="rect">
+            <a:avLst/>
+          </a:prstGeom>
+          <a:solidFill>
+            <a:srgbClr val="EA9999"/>
+          </a:solidFill>
+          <a:ln>
+            <a:noFill/>
+          </a:ln>
+        </p:spPr>
+        <p:txBody>
+          <a:bodyPr spcFirstLastPara="1" wrap="square" lIns="91425" tIns="91425" rIns="91425" bIns="91425" anchor="t" anchorCtr="0">
+            <a:spAutoFit/>
+          </a:bodyPr>
+          <a:lstStyle/>
+          <a:p>
+            <a:r>
+              <a:rPr lang="en-US" sz="1400" b="1" dirty="0">
+                <a:solidFill>
+                  <a:srgbClr val="134F5C"/>
+                </a:solidFill>
+              </a:rPr>
+              <a:t>Machine Learning based approach for Diabetes Prediction</a:t>
+            </a:r>
+            <a:endParaRPr lang="en-US" sz="1400" dirty="0">
+              <a:latin typeface="Merriweather Black"/>
+              <a:ea typeface="Merriweather Black"/>
+              <a:cs typeface="Merriweather Black"/>
+              <a:sym typeface="Merriweather Black"/>
+            </a:endParaRPr>
+          </a:p>
+        </p:txBody>
+      </p:sp>
+      <p:sp>
+        <p:nvSpPr>
+          <p:cNvPr id="115" name="Google Shape;115;p18"/>
+          <p:cNvSpPr txBox="1"/>
+          <p:nvPr/>
+        </p:nvSpPr>
+        <p:spPr>
+          <a:xfrm>
+            <a:off x="6731100" y="4743300"/>
+            <a:ext cx="2402400" cy="400079"/>
+          </a:xfrm>
+          <a:prstGeom prst="rect">
+            <a:avLst/>
+          </a:prstGeom>
+          <a:solidFill>
+            <a:srgbClr val="B6D7A8"/>
+          </a:solidFill>
+          <a:ln>
+            <a:noFill/>
+          </a:ln>
+        </p:spPr>
+        <p:txBody>
+          <a:bodyPr spcFirstLastPara="1" wrap="square" lIns="91425" tIns="91425" rIns="91425" bIns="91425" anchor="t" anchorCtr="0">
+            <a:spAutoFit/>
+          </a:bodyPr>
+          <a:lstStyle/>
+          <a:p>
+            <a:pPr algn="ctr"/>
+            <a:r>
+              <a:rPr lang="en-GB" sz="1400" dirty="0">
+                <a:latin typeface="Merriweather Black"/>
+                <a:ea typeface="Merriweather Black"/>
+                <a:cs typeface="Merriweather Black"/>
+                <a:sym typeface="Merriweather Black"/>
+              </a:rPr>
+              <a:t>April 24, 2023</a:t>
+            </a:r>
+          </a:p>
+        </p:txBody>
+      </p:sp>
+      <p:sp>
+        <p:nvSpPr>
+          <p:cNvPr id="116" name="Google Shape;116;p18"/>
+          <p:cNvSpPr txBox="1"/>
+          <p:nvPr/>
+        </p:nvSpPr>
+        <p:spPr>
+          <a:xfrm>
+            <a:off x="433923" y="624425"/>
+            <a:ext cx="7109877" cy="1865865"/>
+          </a:xfrm>
+          <a:prstGeom prst="rect">
+            <a:avLst/>
+          </a:prstGeom>
+          <a:noFill/>
+          <a:ln>
+            <a:noFill/>
+          </a:ln>
+        </p:spPr>
+        <p:txBody>
+          <a:bodyPr spcFirstLastPara="1" wrap="square" lIns="91425" tIns="91425" rIns="91425" bIns="91425" anchor="t" anchorCtr="0">
+            <a:spAutoFit/>
+          </a:bodyPr>
+          <a:lstStyle/>
+          <a:p>
+            <a:pPr marL="0" lvl="0" indent="0" algn="l" rtl="0">
+              <a:lnSpc>
+                <a:spcPct val="115000"/>
+              </a:lnSpc>
+              <a:spcBef>
+                <a:spcPts val="0"/>
+              </a:spcBef>
+              <a:spcAft>
+                <a:spcPts val="0"/>
+              </a:spcAft>
+              <a:buFont typeface="Wingdings" pitchFamily="2" charset="2"/>
+              <a:buChar char="Ø"/>
+            </a:pPr>
+            <a:r>
+              <a:rPr lang="en-US" sz="1900" dirty="0">
+                <a:solidFill>
+                  <a:schemeClr val="dk1"/>
+                </a:solidFill>
+              </a:rPr>
+              <a:t>Aim to reduce the death rate due to diabetes</a:t>
+            </a:r>
+          </a:p>
+          <a:p>
+            <a:pPr marL="0" lvl="0" indent="0" algn="l" rtl="0">
+              <a:lnSpc>
+                <a:spcPct val="115000"/>
+              </a:lnSpc>
+              <a:spcBef>
+                <a:spcPts val="0"/>
+              </a:spcBef>
+              <a:spcAft>
+                <a:spcPts val="0"/>
+              </a:spcAft>
+              <a:buFont typeface="Wingdings" pitchFamily="2" charset="2"/>
+              <a:buChar char="Ø"/>
+            </a:pPr>
+            <a:r>
+              <a:rPr lang="en-US" sz="1900" dirty="0">
+                <a:solidFill>
+                  <a:schemeClr val="dk1"/>
+                </a:solidFill>
+              </a:rPr>
+              <a:t>Implementing latest technological advancements such as Machine learning &amp; AI</a:t>
+            </a:r>
+          </a:p>
+          <a:p>
+            <a:pPr marL="0" lvl="0" indent="0" algn="l" rtl="0">
+              <a:lnSpc>
+                <a:spcPct val="115000"/>
+              </a:lnSpc>
+              <a:spcBef>
+                <a:spcPts val="0"/>
+              </a:spcBef>
+              <a:spcAft>
+                <a:spcPts val="0"/>
+              </a:spcAft>
+              <a:buFont typeface="Wingdings" pitchFamily="2" charset="2"/>
+              <a:buChar char="Ø"/>
+            </a:pPr>
+            <a:r>
+              <a:rPr lang="en-US" sz="1900" dirty="0">
+                <a:solidFill>
+                  <a:schemeClr val="dk1"/>
+                </a:solidFill>
+              </a:rPr>
+              <a:t>Specific Life Insurance policy can be suggested to patient based on predicted result.</a:t>
+            </a:r>
+            <a:endParaRPr sz="1900" dirty="0">
+              <a:solidFill>
+                <a:schemeClr val="dk1"/>
+              </a:solidFill>
+            </a:endParaRPr>
+          </a:p>
+        </p:txBody>
+      </p:sp>
+      <p:sp>
+        <p:nvSpPr>
+          <p:cNvPr id="11" name="TextBox 10"/>
+          <p:cNvSpPr txBox="1"/>
+          <p:nvPr/>
+        </p:nvSpPr>
+        <p:spPr>
+          <a:xfrm>
+            <a:off x="4842165" y="4447307"/>
+            <a:ext cx="2919389" cy="523220"/>
+          </a:xfrm>
+          <a:prstGeom prst="rect">
+            <a:avLst/>
+          </a:prstGeom>
+          <a:noFill/>
+        </p:spPr>
+        <p:txBody>
+          <a:bodyPr wrap="none" rtlCol="0">
+            <a:spAutoFit/>
+          </a:bodyPr>
+          <a:lstStyle/>
+          <a:p>
+            <a:r>
+              <a:rPr lang="en-US" dirty="0"/>
+              <a:t>                 [Source: ouhealth.com ]</a:t>
+            </a:r>
+          </a:p>
+          <a:p>
+            <a:r>
+              <a:rPr lang="en-US" dirty="0"/>
+              <a:t> </a:t>
+            </a:r>
+          </a:p>
+        </p:txBody>
+      </p:sp>
+      <p:sp>
+        <p:nvSpPr>
+          <p:cNvPr id="12" name="TextBox 11"/>
+          <p:cNvSpPr txBox="1"/>
+          <p:nvPr/>
+        </p:nvSpPr>
+        <p:spPr>
+          <a:xfrm>
+            <a:off x="449448" y="4412673"/>
+            <a:ext cx="3634352" cy="307777"/>
+          </a:xfrm>
+          <a:prstGeom prst="rect">
+            <a:avLst/>
+          </a:prstGeom>
+          <a:noFill/>
+        </p:spPr>
+        <p:txBody>
+          <a:bodyPr wrap="square" rtlCol="0">
+            <a:spAutoFit/>
+          </a:bodyPr>
+          <a:lstStyle/>
+          <a:p>
+            <a:r>
+              <a:rPr lang="en-US" dirty="0"/>
+              <a:t>[Source: Stanford diabetes research center]</a:t>
+            </a:r>
+          </a:p>
+        </p:txBody>
+      </p:sp>
+      <p:pic>
+        <p:nvPicPr>
+          <p:cNvPr id="3" name="Picture 2">
+            <a:extLst>
+              <a:ext uri="{FF2B5EF4-FFF2-40B4-BE49-F238E27FC236}">
+                <a16:creationId xmlns:a16="http://schemas.microsoft.com/office/drawing/2014/main" id="{4C5F54A7-56DE-2DE3-50BA-E7B2EF245FD3}"/>
+              </a:ext>
+            </a:extLst>
+          </p:cNvPr>
+          <p:cNvPicPr>
+            <a:picLocks noChangeAspect="1"/>
+          </p:cNvPicPr>
+          <p:nvPr/>
+        </p:nvPicPr>
+        <p:blipFill>
+          <a:blip r:embed="rId4"/>
+          <a:stretch>
+            <a:fillRect/>
+          </a:stretch>
+        </p:blipFill>
+        <p:spPr>
+          <a:xfrm>
+            <a:off x="260594" y="2455655"/>
+            <a:ext cx="3928821" cy="1957018"/>
+          </a:xfrm>
+          <a:prstGeom prst="rect">
+            <a:avLst/>
+          </a:prstGeom>
+        </p:spPr>
+      </p:pic>
+      <p:pic>
+        <p:nvPicPr>
+          <p:cNvPr id="5" name="Picture 4">
+            <a:extLst>
+              <a:ext uri="{FF2B5EF4-FFF2-40B4-BE49-F238E27FC236}">
+                <a16:creationId xmlns:a16="http://schemas.microsoft.com/office/drawing/2014/main" id="{36228364-A02E-E845-B6DF-F6703707C5D3}"/>
+              </a:ext>
+            </a:extLst>
+          </p:cNvPr>
+          <p:cNvPicPr>
+            <a:picLocks noChangeAspect="1"/>
+          </p:cNvPicPr>
+          <p:nvPr/>
+        </p:nvPicPr>
+        <p:blipFill>
+          <a:blip r:embed="rId5"/>
+          <a:stretch>
+            <a:fillRect/>
+          </a:stretch>
+        </p:blipFill>
+        <p:spPr>
+          <a:xfrm>
+            <a:off x="4786222" y="2193010"/>
+            <a:ext cx="3669877" cy="2219663"/>
+          </a:xfrm>
+          <a:prstGeom prst="rect">
+            <a:avLst/>
+          </a:prstGeom>
+        </p:spPr>
+      </p:pic>
+    </p:spTree>
+  </p:cSld>
+  <p:clrMapOvr>
+    <a:masterClrMapping/>
+  </p:clrMapOvr>
+</p:sld>
+</file>
+
 <file path=ppt/slides/slide6.xml><?xml version="1.0" encoding="utf-8"?>
+<p:sld xmlns:a="http://schemas.openxmlformats.org/drawingml/2006/main" xmlns:r="http://schemas.openxmlformats.org/officeDocument/2006/relationships" xmlns:p="http://schemas.openxmlformats.org/presentationml/2006/main">
+  <p:cSld>
+    <p:spTree>
+      <p:nvGrpSpPr>
+        <p:cNvPr id="1" name="Shape 111"/>
+        <p:cNvGrpSpPr/>
+        <p:nvPr/>
+      </p:nvGrpSpPr>
+      <p:grpSpPr>
+        <a:xfrm>
+          <a:off x="0" y="0"/>
+          <a:ext cx="0" cy="0"/>
+          <a:chOff x="0" y="0"/>
+          <a:chExt cx="0" cy="0"/>
+        </a:xfrm>
+      </p:grpSpPr>
+      <p:sp>
+        <p:nvSpPr>
+          <p:cNvPr id="112" name="Google Shape;112;p18"/>
+          <p:cNvSpPr txBox="1"/>
+          <p:nvPr/>
+        </p:nvSpPr>
+        <p:spPr>
+          <a:xfrm>
+            <a:off x="0" y="0"/>
+            <a:ext cx="9133500" cy="554100"/>
+          </a:xfrm>
+          <a:prstGeom prst="rect">
+            <a:avLst/>
+          </a:prstGeom>
+          <a:gradFill>
+            <a:gsLst>
+              <a:gs pos="0">
+                <a:srgbClr val="DCECD5"/>
+              </a:gs>
+              <a:gs pos="100000">
+                <a:srgbClr val="93BC81"/>
+              </a:gs>
+            </a:gsLst>
+            <a:path path="circle">
+              <a:fillToRect l="50000" t="50000" r="50000" b="50000"/>
+            </a:path>
+            <a:tileRect/>
+          </a:gradFill>
+          <a:ln>
+            <a:noFill/>
+          </a:ln>
+        </p:spPr>
+        <p:txBody>
+          <a:bodyPr spcFirstLastPara="1" wrap="square" lIns="91425" tIns="91425" rIns="91425" bIns="91425" anchor="t" anchorCtr="0">
+            <a:spAutoFit/>
+          </a:bodyPr>
+          <a:lstStyle/>
+          <a:p>
+            <a:pPr marL="0" lvl="0" indent="0" algn="just" rtl="0">
+              <a:spcBef>
+                <a:spcPts val="0"/>
+              </a:spcBef>
+              <a:spcAft>
+                <a:spcPts val="0"/>
+              </a:spcAft>
+              <a:buNone/>
+            </a:pPr>
+            <a:r>
+              <a:rPr lang="en-GB" sz="2400" b="1" dirty="0"/>
+              <a:t>                                           OBJECTIVES</a:t>
+            </a:r>
+            <a:endParaRPr sz="2400" b="1" dirty="0"/>
+          </a:p>
+        </p:txBody>
+      </p:sp>
+      <p:pic>
+        <p:nvPicPr>
+          <p:cNvPr id="113" name="Google Shape;113;p18"/>
+          <p:cNvPicPr preferRelativeResize="0"/>
+          <p:nvPr/>
+        </p:nvPicPr>
+        <p:blipFill rotWithShape="1">
+          <a:blip r:embed="rId3">
+            <a:alphaModFix/>
+          </a:blip>
+          <a:srcRect/>
+          <a:stretch/>
+        </p:blipFill>
+        <p:spPr>
+          <a:xfrm>
+            <a:off x="8456100" y="0"/>
+            <a:ext cx="687900" cy="554100"/>
+          </a:xfrm>
+          <a:prstGeom prst="rect">
+            <a:avLst/>
+          </a:prstGeom>
+          <a:noFill/>
+          <a:ln>
+            <a:noFill/>
+          </a:ln>
+        </p:spPr>
+      </p:pic>
+      <p:sp>
+        <p:nvSpPr>
+          <p:cNvPr id="114" name="Google Shape;114;p18"/>
+          <p:cNvSpPr txBox="1"/>
+          <p:nvPr/>
+        </p:nvSpPr>
+        <p:spPr>
+          <a:xfrm>
+            <a:off x="0" y="4774296"/>
+            <a:ext cx="6731100" cy="400079"/>
+          </a:xfrm>
+          <a:prstGeom prst="rect">
+            <a:avLst/>
+          </a:prstGeom>
+          <a:solidFill>
+            <a:srgbClr val="EA9999"/>
+          </a:solidFill>
+          <a:ln>
+            <a:noFill/>
+          </a:ln>
+        </p:spPr>
+        <p:txBody>
+          <a:bodyPr spcFirstLastPara="1" wrap="square" lIns="91425" tIns="91425" rIns="91425" bIns="91425" anchor="t" anchorCtr="0">
+            <a:spAutoFit/>
+          </a:bodyPr>
+          <a:lstStyle/>
+          <a:p>
+            <a:r>
+              <a:rPr lang="en-US" sz="1400" b="1" dirty="0">
+                <a:solidFill>
+                  <a:srgbClr val="134F5C"/>
+                </a:solidFill>
+              </a:rPr>
+              <a:t>Machine Learning based approach for Diabetes Prediction</a:t>
+            </a:r>
+            <a:endParaRPr lang="en-US" sz="1400" dirty="0">
+              <a:latin typeface="Merriweather Black"/>
+              <a:ea typeface="Merriweather Black"/>
+              <a:cs typeface="Merriweather Black"/>
+              <a:sym typeface="Merriweather Black"/>
+            </a:endParaRPr>
+          </a:p>
+        </p:txBody>
+      </p:sp>
+      <p:sp>
+        <p:nvSpPr>
+          <p:cNvPr id="115" name="Google Shape;115;p18"/>
+          <p:cNvSpPr txBox="1"/>
+          <p:nvPr/>
+        </p:nvSpPr>
+        <p:spPr>
+          <a:xfrm>
+            <a:off x="6731100" y="4743300"/>
+            <a:ext cx="2402400" cy="400079"/>
+          </a:xfrm>
+          <a:prstGeom prst="rect">
+            <a:avLst/>
+          </a:prstGeom>
+          <a:solidFill>
+            <a:srgbClr val="B6D7A8"/>
+          </a:solidFill>
+          <a:ln>
+            <a:noFill/>
+          </a:ln>
+        </p:spPr>
+        <p:txBody>
+          <a:bodyPr spcFirstLastPara="1" wrap="square" lIns="91425" tIns="91425" rIns="91425" bIns="91425" anchor="t" anchorCtr="0">
+            <a:spAutoFit/>
+          </a:bodyPr>
+          <a:lstStyle/>
+          <a:p>
+            <a:pPr algn="ctr"/>
+            <a:r>
+              <a:rPr lang="en-GB" sz="1400" dirty="0">
+                <a:latin typeface="Merriweather Black"/>
+                <a:ea typeface="Merriweather Black"/>
+                <a:cs typeface="Merriweather Black"/>
+                <a:sym typeface="Merriweather Black"/>
+              </a:rPr>
+              <a:t>April 24, 2023</a:t>
+            </a:r>
+          </a:p>
+        </p:txBody>
+      </p:sp>
+      <p:sp>
+        <p:nvSpPr>
+          <p:cNvPr id="116" name="Google Shape;116;p18"/>
+          <p:cNvSpPr txBox="1"/>
+          <p:nvPr/>
+        </p:nvSpPr>
+        <p:spPr>
+          <a:xfrm>
+            <a:off x="488167" y="1277563"/>
+            <a:ext cx="7109877" cy="2414477"/>
+          </a:xfrm>
+          <a:prstGeom prst="rect">
+            <a:avLst/>
+          </a:prstGeom>
+          <a:noFill/>
+          <a:ln>
+            <a:noFill/>
+          </a:ln>
+        </p:spPr>
+        <p:txBody>
+          <a:bodyPr spcFirstLastPara="1" wrap="square" lIns="91425" tIns="91425" rIns="91425" bIns="91425" anchor="t" anchorCtr="0">
+            <a:spAutoFit/>
+          </a:bodyPr>
+          <a:lstStyle/>
+          <a:p>
+            <a:pPr marL="0" lvl="0" indent="0" algn="l" rtl="0">
+              <a:lnSpc>
+                <a:spcPct val="115000"/>
+              </a:lnSpc>
+              <a:spcBef>
+                <a:spcPts val="0"/>
+              </a:spcBef>
+              <a:spcAft>
+                <a:spcPts val="0"/>
+              </a:spcAft>
+              <a:buFont typeface="Wingdings" pitchFamily="2" charset="2"/>
+              <a:buChar char="Ø"/>
+            </a:pPr>
+            <a:r>
+              <a:rPr lang="en-US" sz="1800" b="0" i="0" dirty="0">
+                <a:solidFill>
+                  <a:srgbClr val="374151"/>
+                </a:solidFill>
+                <a:effectLst/>
+                <a:latin typeface="Söhne"/>
+              </a:rPr>
+              <a:t>The goal of this project is to develop a machine learning model that can       accurately predict the likelihood of a person having diabetes based on various clinical features and give suggestion of relevant Insurance policy</a:t>
+            </a:r>
+          </a:p>
+          <a:p>
+            <a:pPr marL="0" lvl="0" indent="0" algn="l" rtl="0">
+              <a:lnSpc>
+                <a:spcPct val="115000"/>
+              </a:lnSpc>
+              <a:spcBef>
+                <a:spcPts val="0"/>
+              </a:spcBef>
+              <a:spcAft>
+                <a:spcPts val="0"/>
+              </a:spcAft>
+            </a:pPr>
+            <a:endParaRPr lang="en-US" sz="1800" b="0" i="0" dirty="0">
+              <a:solidFill>
+                <a:srgbClr val="374151"/>
+              </a:solidFill>
+              <a:effectLst/>
+              <a:latin typeface="Söhne"/>
+            </a:endParaRPr>
+          </a:p>
+          <a:p>
+            <a:pPr marL="0" lvl="0" indent="0" algn="l" rtl="0">
+              <a:lnSpc>
+                <a:spcPct val="115000"/>
+              </a:lnSpc>
+              <a:spcBef>
+                <a:spcPts val="0"/>
+              </a:spcBef>
+              <a:spcAft>
+                <a:spcPts val="0"/>
+              </a:spcAft>
+              <a:buFont typeface="Wingdings" pitchFamily="2" charset="2"/>
+              <a:buChar char="Ø"/>
+            </a:pPr>
+            <a:r>
+              <a:rPr lang="en-US" sz="1800" b="0" i="0" dirty="0">
+                <a:solidFill>
+                  <a:srgbClr val="374151"/>
+                </a:solidFill>
+                <a:effectLst/>
+                <a:latin typeface="Söhne"/>
+              </a:rPr>
+              <a:t>The main objective of this project is to provide accurate predictions to assist doctors in diagnosing diabetes and provide early interventions for patients</a:t>
+            </a:r>
+            <a:endParaRPr lang="en-US" sz="1800" dirty="0">
+              <a:solidFill>
+                <a:srgbClr val="374151"/>
+              </a:solidFill>
+              <a:latin typeface="Söhne"/>
+            </a:endParaRPr>
+          </a:p>
+        </p:txBody>
+      </p:sp>
+    </p:spTree>
+    <p:extLst>
+      <p:ext uri="{BB962C8B-B14F-4D97-AF65-F5344CB8AC3E}">
+        <p14:creationId xmlns:p14="http://schemas.microsoft.com/office/powerpoint/2010/main" val="1701795056"/>
+      </p:ext>
+    </p:extLst>
+  </p:cSld>
+  <p:clrMapOvr>
+    <a:masterClrMapping/>
+  </p:clrMapOvr>
+</p:sld>
+</file>
+
+<file path=ppt/slides/slide7.xml><?xml version="1.0" encoding="utf-8"?>
 <p:sld xmlns:a="http://schemas.openxmlformats.org/drawingml/2006/main" xmlns:r="http://schemas.openxmlformats.org/officeDocument/2006/relationships" xmlns:p="http://schemas.openxmlformats.org/presentationml/2006/main">
   <p:cSld>
     <p:spTree>
@@ -9304,14 +10887,14 @@
           <p:nvPr>
             <p:extLst>
               <p:ext uri="{D42A27DB-BD31-4B8C-83A1-F6EECF244321}">
-                <p14:modId xmlns:p14="http://schemas.microsoft.com/office/powerpoint/2010/main" val="257112494"/>
+                <p14:modId xmlns:p14="http://schemas.microsoft.com/office/powerpoint/2010/main" val="4250796213"/>
               </p:ext>
             </p:extLst>
           </p:nvPr>
         </p:nvGraphicFramePr>
         <p:xfrm>
           <a:off x="154983" y="1108129"/>
-          <a:ext cx="8711926" cy="2735452"/>
+          <a:ext cx="8711926" cy="3140542"/>
         </p:xfrm>
         <a:graphic>
           <a:graphicData uri="http://schemas.openxmlformats.org/drawingml/2006/table">
@@ -9356,7 +10939,7 @@
                       </a:pPr>
                       <a:r>
                         <a:rPr lang="en-IN" sz="1000" dirty="0"/>
-                        <a:t>Md. Maniruzzaman, Md. Jahanur Rahman, Benojir Ahammed and Md. Menhazul Abedin</a:t>
+                        <a:t>Md. Maniruzzaman et  al (3)</a:t>
                       </a:r>
                       <a:endParaRPr lang="en-US" sz="1000" u="none" dirty="0"/>
                     </a:p>
@@ -9415,7 +10998,24 @@
                       </a:pPr>
                       <a:r>
                         <a:rPr lang="en-US" sz="1100" dirty="0"/>
-                        <a:t>Classifcation and prediction of diabetes disease using machine learning paradigm</a:t>
+                        <a:t>Classifcation and prediction of diabetes disease using machine learning paradigm (</a:t>
+                      </a:r>
+                      <a:r>
+                        <a:rPr lang="en-US" sz="1100" b="0" i="0" u="none" strike="noStrike" cap="none" dirty="0">
+                          <a:solidFill>
+                            <a:schemeClr val="tx1"/>
+                          </a:solidFill>
+                          <a:effectLst/>
+                          <a:latin typeface="+mn-lt"/>
+                          <a:ea typeface="+mn-ea"/>
+                          <a:cs typeface="+mn-cs"/>
+                          <a:sym typeface="Arial"/>
+                        </a:rPr>
+                        <a:t>Three sets of ML-based classifiers as Naïve Bayes(NB), Decision Tree(DT) &amp; Adaboost( AB) is used</a:t>
+                      </a:r>
+                      <a:r>
+                        <a:rPr lang="en-US" sz="1100" dirty="0"/>
+                        <a:t>)</a:t>
                       </a:r>
                       <a:endParaRPr lang="en-US" sz="1100" u="none" dirty="0"/>
                     </a:p>
@@ -9539,7 +11139,7 @@
                       </a:pPr>
                       <a:r>
                         <a:rPr lang="en-IN" sz="1000" dirty="0"/>
-                        <a:t>Umair Muneer Butt, Sukumar Letchmunan, Mubashir Ali, Fadratul Hafinaz Hassan,  Anees Baqir, and Hafiz Husnain Raza Sherazi</a:t>
+                        <a:t>Umair Muneer Butt et  al (3)</a:t>
                       </a:r>
                       <a:endParaRPr lang="en-US" sz="1000" dirty="0">
                         <a:latin typeface="LM Roman 12"/>
@@ -9613,7 +11213,24 @@
                       </a:pPr>
                       <a:r>
                         <a:rPr lang="en-US" sz="1100" dirty="0"/>
-                        <a:t>Machine Learning Based Diabetes Classification and Prediction for Healthcare Applications</a:t>
+                        <a:t>Machine Learning Based Diabetes Classification and Prediction for Healthcare Applications (</a:t>
+                      </a:r>
+                      <a:r>
+                        <a:rPr lang="en-US" sz="1100" b="0" i="0" u="none" strike="noStrike" cap="none" dirty="0">
+                          <a:solidFill>
+                            <a:schemeClr val="tx1"/>
+                          </a:solidFill>
+                          <a:effectLst/>
+                          <a:latin typeface="+mn-lt"/>
+                          <a:ea typeface="+mn-ea"/>
+                          <a:cs typeface="+mn-cs"/>
+                          <a:sym typeface="Arial"/>
+                        </a:rPr>
+                        <a:t>for the predictive analysis of diabetes, long short-term memory (LSTM), moving averages (MA), and linear regression (LR) is used</a:t>
+                      </a:r>
+                      <a:r>
+                        <a:rPr lang="en-US" sz="1100" dirty="0"/>
+                        <a:t>)</a:t>
                       </a:r>
                     </a:p>
                     <a:p>
@@ -9758,7 +11375,7 @@
                       </a:pPr>
                       <a:r>
                         <a:rPr lang="en-IN" sz="1000" dirty="0"/>
-                        <a:t>Aishwarya Mujumdara , Dr. Vaidehi V</a:t>
+                        <a:t>Aishwarya Mujumdara et  al (1)</a:t>
                       </a:r>
                       <a:endParaRPr lang="en-US" sz="1000" b="0" i="0" u="none" strike="noStrike" cap="none" dirty="0">
                         <a:solidFill>
@@ -9956,7 +11573,233 @@
 </p:sld>
 </file>
 
-<file path=ppt/slides/slide7.xml><?xml version="1.0" encoding="utf-8"?>
+<file path=ppt/slides/slide8.xml><?xml version="1.0" encoding="utf-8"?>
+<p:sld xmlns:a="http://schemas.openxmlformats.org/drawingml/2006/main" xmlns:r="http://schemas.openxmlformats.org/officeDocument/2006/relationships" xmlns:p="http://schemas.openxmlformats.org/presentationml/2006/main">
+  <p:cSld>
+    <p:spTree>
+      <p:nvGrpSpPr>
+        <p:cNvPr id="1" name="Shape 138"/>
+        <p:cNvGrpSpPr/>
+        <p:nvPr/>
+      </p:nvGrpSpPr>
+      <p:grpSpPr>
+        <a:xfrm>
+          <a:off x="0" y="0"/>
+          <a:ext cx="0" cy="0"/>
+          <a:chOff x="0" y="0"/>
+          <a:chExt cx="0" cy="0"/>
+        </a:xfrm>
+      </p:grpSpPr>
+      <p:sp>
+        <p:nvSpPr>
+          <p:cNvPr id="139" name="Google Shape;139;p20"/>
+          <p:cNvSpPr txBox="1"/>
+          <p:nvPr/>
+        </p:nvSpPr>
+        <p:spPr>
+          <a:xfrm>
+            <a:off x="0" y="0"/>
+            <a:ext cx="9144000" cy="554100"/>
+          </a:xfrm>
+          <a:prstGeom prst="rect">
+            <a:avLst/>
+          </a:prstGeom>
+          <a:gradFill>
+            <a:gsLst>
+              <a:gs pos="0">
+                <a:srgbClr val="DCECD5"/>
+              </a:gs>
+              <a:gs pos="100000">
+                <a:srgbClr val="93BC81"/>
+              </a:gs>
+            </a:gsLst>
+            <a:path path="circle">
+              <a:fillToRect l="50000" t="50000" r="50000" b="50000"/>
+            </a:path>
+            <a:tileRect/>
+          </a:gradFill>
+          <a:ln>
+            <a:noFill/>
+          </a:ln>
+        </p:spPr>
+        <p:txBody>
+          <a:bodyPr spcFirstLastPara="1" wrap="square" lIns="91425" tIns="91425" rIns="91425" bIns="91425" anchor="t" anchorCtr="0">
+            <a:spAutoFit/>
+          </a:bodyPr>
+          <a:lstStyle/>
+          <a:p>
+            <a:pPr marL="0" lvl="0" indent="0" algn="l" rtl="0">
+              <a:spcBef>
+                <a:spcPts val="0"/>
+              </a:spcBef>
+              <a:spcAft>
+                <a:spcPts val="0"/>
+              </a:spcAft>
+              <a:buNone/>
+            </a:pPr>
+            <a:r>
+              <a:rPr lang="en-GB" sz="2400" b="1" dirty="0"/>
+              <a:t>                                    BLOCK DIAGRAM</a:t>
+            </a:r>
+            <a:endParaRPr sz="2400" b="1" dirty="0"/>
+          </a:p>
+        </p:txBody>
+      </p:sp>
+      <p:pic>
+        <p:nvPicPr>
+          <p:cNvPr id="140" name="Google Shape;140;p20"/>
+          <p:cNvPicPr preferRelativeResize="0"/>
+          <p:nvPr/>
+        </p:nvPicPr>
+        <p:blipFill rotWithShape="1">
+          <a:blip r:embed="rId3">
+            <a:alphaModFix/>
+          </a:blip>
+          <a:srcRect/>
+          <a:stretch/>
+        </p:blipFill>
+        <p:spPr>
+          <a:xfrm>
+            <a:off x="8456100" y="0"/>
+            <a:ext cx="687900" cy="554100"/>
+          </a:xfrm>
+          <a:prstGeom prst="rect">
+            <a:avLst/>
+          </a:prstGeom>
+          <a:noFill/>
+          <a:ln>
+            <a:noFill/>
+          </a:ln>
+        </p:spPr>
+      </p:pic>
+      <p:sp>
+        <p:nvSpPr>
+          <p:cNvPr id="141" name="Google Shape;141;p20"/>
+          <p:cNvSpPr txBox="1"/>
+          <p:nvPr/>
+        </p:nvSpPr>
+        <p:spPr>
+          <a:xfrm>
+            <a:off x="0" y="4743300"/>
+            <a:ext cx="6709800" cy="400079"/>
+          </a:xfrm>
+          <a:prstGeom prst="rect">
+            <a:avLst/>
+          </a:prstGeom>
+          <a:solidFill>
+            <a:srgbClr val="EA9999"/>
+          </a:solidFill>
+          <a:ln>
+            <a:noFill/>
+          </a:ln>
+        </p:spPr>
+        <p:txBody>
+          <a:bodyPr spcFirstLastPara="1" wrap="square" lIns="91425" tIns="91425" rIns="91425" bIns="91425" anchor="t" anchorCtr="0">
+            <a:spAutoFit/>
+          </a:bodyPr>
+          <a:lstStyle/>
+          <a:p>
+            <a:r>
+              <a:rPr lang="en-US" sz="1400" b="1" dirty="0">
+                <a:solidFill>
+                  <a:srgbClr val="134F5C"/>
+                </a:solidFill>
+              </a:rPr>
+              <a:t>Machine Learning based approach for Diabetes Prediction</a:t>
+            </a:r>
+            <a:endParaRPr lang="en-US" sz="1400" dirty="0">
+              <a:latin typeface="Merriweather Black"/>
+              <a:ea typeface="Merriweather Black"/>
+              <a:cs typeface="Merriweather Black"/>
+              <a:sym typeface="Merriweather Black"/>
+            </a:endParaRPr>
+          </a:p>
+        </p:txBody>
+      </p:sp>
+      <p:sp>
+        <p:nvSpPr>
+          <p:cNvPr id="142" name="Google Shape;142;p20"/>
+          <p:cNvSpPr txBox="1"/>
+          <p:nvPr/>
+        </p:nvSpPr>
+        <p:spPr>
+          <a:xfrm>
+            <a:off x="6709825" y="4743300"/>
+            <a:ext cx="2434200" cy="400079"/>
+          </a:xfrm>
+          <a:prstGeom prst="rect">
+            <a:avLst/>
+          </a:prstGeom>
+          <a:solidFill>
+            <a:srgbClr val="B6D7A8"/>
+          </a:solidFill>
+          <a:ln>
+            <a:noFill/>
+          </a:ln>
+        </p:spPr>
+        <p:txBody>
+          <a:bodyPr spcFirstLastPara="1" wrap="square" lIns="91425" tIns="91425" rIns="91425" bIns="91425" anchor="t" anchorCtr="0">
+            <a:spAutoFit/>
+          </a:bodyPr>
+          <a:lstStyle/>
+          <a:p>
+            <a:pPr algn="ctr"/>
+            <a:r>
+              <a:rPr lang="en-GB" sz="1400" dirty="0">
+                <a:latin typeface="Merriweather Black"/>
+                <a:ea typeface="Merriweather Black"/>
+                <a:cs typeface="Merriweather Black"/>
+                <a:sym typeface="Merriweather Black"/>
+              </a:rPr>
+              <a:t>April 24, 2023</a:t>
+            </a:r>
+          </a:p>
+        </p:txBody>
+      </p:sp>
+      <p:pic>
+        <p:nvPicPr>
+          <p:cNvPr id="3" name="Picture 2">
+            <a:extLst>
+              <a:ext uri="{FF2B5EF4-FFF2-40B4-BE49-F238E27FC236}">
+                <a16:creationId xmlns:a16="http://schemas.microsoft.com/office/drawing/2014/main" id="{D5C2D667-E734-3DBB-EA11-90F7B1E6F1C7}"/>
+              </a:ext>
+            </a:extLst>
+          </p:cNvPr>
+          <p:cNvPicPr>
+            <a:picLocks noChangeAspect="1"/>
+          </p:cNvPicPr>
+          <p:nvPr/>
+        </p:nvPicPr>
+        <p:blipFill>
+          <a:blip r:embed="rId4"/>
+          <a:stretch>
+            <a:fillRect/>
+          </a:stretch>
+        </p:blipFill>
+        <p:spPr>
+          <a:xfrm>
+            <a:off x="1697064" y="554100"/>
+            <a:ext cx="5897105" cy="4189200"/>
+          </a:xfrm>
+          <a:prstGeom prst="rect">
+            <a:avLst/>
+          </a:prstGeom>
+        </p:spPr>
+      </p:pic>
+    </p:spTree>
+    <p:extLst>
+      <p:ext uri="{BB962C8B-B14F-4D97-AF65-F5344CB8AC3E}">
+        <p14:creationId xmlns:p14="http://schemas.microsoft.com/office/powerpoint/2010/main" val="2144399259"/>
+      </p:ext>
+    </p:extLst>
+  </p:cSld>
+  <p:clrMapOvr>
+    <a:masterClrMapping/>
+  </p:clrMapOvr>
+</p:sld>
+</file>
+
+<file path=ppt/slides/slide9.xml><?xml version="1.0" encoding="utf-8"?>
 <p:sld xmlns:a="http://schemas.openxmlformats.org/drawingml/2006/main" xmlns:r="http://schemas.openxmlformats.org/officeDocument/2006/relationships" xmlns:p="http://schemas.openxmlformats.org/presentationml/2006/main">
   <p:cSld>
     <p:spTree>
@@ -10021,10 +11864,10 @@
               <a:buNone/>
             </a:pPr>
             <a:r>
-              <a:rPr lang="en-GB" sz="2400" b="1"/>
+              <a:rPr lang="en-GB" sz="2400" b="1" dirty="0"/>
               <a:t>                             PROPOSED MECHANISM</a:t>
             </a:r>
-            <a:endParaRPr sz="2400" b="1"/>
+            <a:endParaRPr sz="2400" b="1" dirty="0"/>
           </a:p>
         </p:txBody>
       </p:sp>
@@ -10147,8 +11990,8 @@
         </p:nvSpPr>
         <p:spPr>
           <a:xfrm>
-            <a:off x="1087582" y="1143000"/>
-            <a:ext cx="7125669" cy="1744965"/>
+            <a:off x="689675" y="1143000"/>
+            <a:ext cx="8121112" cy="2613664"/>
           </a:xfrm>
           <a:prstGeom prst="rect">
             <a:avLst/>
@@ -10156,7 +11999,7 @@
           <a:noFill/>
         </p:spPr>
         <p:txBody>
-          <a:bodyPr wrap="none" rtlCol="0">
+          <a:bodyPr wrap="square" rtlCol="0">
             <a:spAutoFit/>
           </a:bodyPr>
           <a:lstStyle/>
@@ -10169,13 +12012,27 @@
               <a:buChar char="Ø"/>
             </a:pPr>
             <a:r>
-              <a:rPr lang="en-US" sz="1900" dirty="0">
+              <a:rPr lang="en-US" sz="1800" dirty="0">
                 <a:solidFill>
                   <a:schemeClr val="dk1"/>
                 </a:solidFill>
               </a:rPr>
-              <a:t>Data collection from different sources</a:t>
+              <a:t>Dataset has been taken from Kaggle containing the values like Glucose level, Pregnancies, Blood Pressure etc.</a:t>
             </a:r>
+          </a:p>
+          <a:p>
+            <a:pPr>
+              <a:lnSpc>
+                <a:spcPct val="115000"/>
+              </a:lnSpc>
+              <a:buFont typeface="Wingdings" pitchFamily="2" charset="2"/>
+              <a:buChar char="Ø"/>
+            </a:pPr>
+            <a:endParaRPr lang="en-US" sz="1800" dirty="0">
+              <a:solidFill>
+                <a:schemeClr val="dk1"/>
+              </a:solidFill>
+            </a:endParaRPr>
           </a:p>
           <a:p>
             <a:pPr>
@@ -10186,13 +12043,27 @@
               <a:buChar char="Ø"/>
             </a:pPr>
             <a:r>
-              <a:rPr lang="en-US" sz="1900" dirty="0">
+              <a:rPr lang="en-US" sz="1800" dirty="0">
                 <a:solidFill>
                   <a:schemeClr val="dk1"/>
                 </a:solidFill>
               </a:rPr>
-              <a:t>Pre processing of data before going through the model</a:t>
+              <a:t>Pre processing of data before going through the model has been done</a:t>
             </a:r>
+          </a:p>
+          <a:p>
+            <a:pPr>
+              <a:lnSpc>
+                <a:spcPct val="115000"/>
+              </a:lnSpc>
+              <a:buFont typeface="Wingdings" pitchFamily="2" charset="2"/>
+              <a:buChar char="Ø"/>
+            </a:pPr>
+            <a:endParaRPr lang="en-US" sz="1800" dirty="0">
+              <a:solidFill>
+                <a:schemeClr val="dk1"/>
+              </a:solidFill>
+            </a:endParaRPr>
           </a:p>
           <a:p>
             <a:pPr>
@@ -10203,13 +12074,27 @@
               <a:buChar char="Ø"/>
             </a:pPr>
             <a:r>
-              <a:rPr lang="en-US" sz="1900" dirty="0">
+              <a:rPr lang="en-US" sz="1800" dirty="0">
                 <a:solidFill>
                   <a:schemeClr val="dk1"/>
                 </a:solidFill>
               </a:rPr>
-              <a:t>Training model based on concept like SVM, random forest</a:t>
+              <a:t>80% data taken for training and 20% data taken for testing</a:t>
             </a:r>
+          </a:p>
+          <a:p>
+            <a:pPr>
+              <a:lnSpc>
+                <a:spcPct val="115000"/>
+              </a:lnSpc>
+              <a:buFont typeface="Wingdings" pitchFamily="2" charset="2"/>
+              <a:buChar char="Ø"/>
+            </a:pPr>
+            <a:endParaRPr lang="en-US" sz="1800" dirty="0">
+              <a:solidFill>
+                <a:schemeClr val="dk1"/>
+              </a:solidFill>
+            </a:endParaRPr>
           </a:p>
           <a:p>
             <a:pPr>
@@ -10220,207 +12105,34 @@
               <a:buChar char="Ø"/>
             </a:pPr>
             <a:r>
-              <a:rPr lang="en-US" sz="1900" dirty="0">
+              <a:rPr lang="en-US" sz="1800" dirty="0">
                 <a:solidFill>
                   <a:schemeClr val="dk1"/>
                 </a:solidFill>
               </a:rPr>
-              <a:t>Making application of prediction using result from model used </a:t>
+              <a:t>Training model based on concept like SVM, random forest </a:t>
             </a:r>
-          </a:p>
-          <a:p>
-            <a:pPr>
-              <a:lnSpc>
-                <a:spcPct val="115000"/>
-              </a:lnSpc>
-              <a:buFont typeface="Wingdings" pitchFamily="2" charset="2"/>
-              <a:buChar char="Ø"/>
-            </a:pPr>
-            <a:r>
-              <a:rPr lang="en-US" sz="1900" dirty="0">
-                <a:solidFill>
-                  <a:schemeClr val="dk1"/>
-                </a:solidFill>
-              </a:rPr>
-              <a:t>Health policy suggestion to patient based on result</a:t>
-            </a:r>
-          </a:p>
-        </p:txBody>
-      </p:sp>
-    </p:spTree>
-  </p:cSld>
-  <p:clrMapOvr>
-    <a:masterClrMapping/>
-  </p:clrMapOvr>
-</p:sld>
-</file>
-
-<file path=ppt/slides/slide8.xml><?xml version="1.0" encoding="utf-8"?>
-<p:sld xmlns:a="http://schemas.openxmlformats.org/drawingml/2006/main" xmlns:r="http://schemas.openxmlformats.org/officeDocument/2006/relationships" xmlns:p="http://schemas.openxmlformats.org/presentationml/2006/main">
-  <p:cSld>
-    <p:spTree>
-      <p:nvGrpSpPr>
-        <p:cNvPr id="1" name="Shape 196"/>
-        <p:cNvGrpSpPr/>
-        <p:nvPr/>
-      </p:nvGrpSpPr>
-      <p:grpSpPr>
-        <a:xfrm>
-          <a:off x="0" y="0"/>
-          <a:ext cx="0" cy="0"/>
-          <a:chOff x="0" y="0"/>
-          <a:chExt cx="0" cy="0"/>
-        </a:xfrm>
-      </p:grpSpPr>
-      <p:sp>
-        <p:nvSpPr>
-          <p:cNvPr id="197" name="Google Shape;197;p27"/>
-          <p:cNvSpPr txBox="1"/>
-          <p:nvPr/>
-        </p:nvSpPr>
-        <p:spPr>
-          <a:xfrm>
-            <a:off x="0" y="0"/>
-            <a:ext cx="9144000" cy="554100"/>
-          </a:xfrm>
-          <a:prstGeom prst="rect">
-            <a:avLst/>
-          </a:prstGeom>
-          <a:gradFill>
-            <a:gsLst>
-              <a:gs pos="0">
-                <a:srgbClr val="DCECD5"/>
-              </a:gs>
-              <a:gs pos="100000">
-                <a:srgbClr val="93BC81"/>
-              </a:gs>
-            </a:gsLst>
-            <a:path path="circle">
-              <a:fillToRect l="50000" t="50000" r="50000" b="50000"/>
-            </a:path>
-            <a:tileRect/>
-          </a:gradFill>
-          <a:ln>
-            <a:noFill/>
-          </a:ln>
-        </p:spPr>
-        <p:txBody>
-          <a:bodyPr spcFirstLastPara="1" wrap="square" lIns="91425" tIns="91425" rIns="91425" bIns="91425" anchor="t" anchorCtr="0">
-            <a:spAutoFit/>
-          </a:bodyPr>
-          <a:lstStyle/>
-          <a:p>
-            <a:pPr marL="0" lvl="0" indent="0" algn="l" rtl="0">
-              <a:spcBef>
-                <a:spcPts val="0"/>
-              </a:spcBef>
-              <a:spcAft>
-                <a:spcPts val="0"/>
-              </a:spcAft>
-              <a:buNone/>
-            </a:pPr>
-            <a:r>
-              <a:rPr lang="en-GB" sz="2400" b="1"/>
-              <a:t>                                        </a:t>
-            </a:r>
-            <a:endParaRPr sz="2400" b="1"/>
           </a:p>
         </p:txBody>
       </p:sp>
       <p:sp>
         <p:nvSpPr>
-          <p:cNvPr id="198" name="Google Shape;198;p27"/>
-          <p:cNvSpPr txBox="1"/>
+          <p:cNvPr id="2" name="Rectangle 1">
+            <a:extLst>
+              <a:ext uri="{FF2B5EF4-FFF2-40B4-BE49-F238E27FC236}">
+                <a16:creationId xmlns:a16="http://schemas.microsoft.com/office/drawing/2014/main" id="{253C5B06-88CA-1440-ACA8-C20F19915BEA}"/>
+              </a:ext>
+            </a:extLst>
+          </p:cNvPr>
+          <p:cNvSpPr>
+            <a:spLocks noChangeArrowheads="1"/>
+          </p:cNvSpPr>
           <p:nvPr/>
         </p:nvSpPr>
-        <p:spPr>
-          <a:xfrm>
-            <a:off x="0" y="4743300"/>
-            <a:ext cx="6709800" cy="400079"/>
-          </a:xfrm>
-          <a:prstGeom prst="rect">
-            <a:avLst/>
-          </a:prstGeom>
-          <a:solidFill>
-            <a:srgbClr val="EA9999"/>
-          </a:solidFill>
-          <a:ln>
-            <a:noFill/>
-          </a:ln>
-        </p:spPr>
-        <p:txBody>
-          <a:bodyPr spcFirstLastPara="1" wrap="square" lIns="91425" tIns="91425" rIns="91425" bIns="91425" anchor="t" anchorCtr="0">
-            <a:spAutoFit/>
-          </a:bodyPr>
-          <a:lstStyle/>
-          <a:p>
-            <a:r>
-              <a:rPr lang="en-US" sz="1400" b="1" dirty="0">
-                <a:solidFill>
-                  <a:srgbClr val="134F5C"/>
-                </a:solidFill>
-              </a:rPr>
-              <a:t>Machine Learning based approach for Diabetes Prediction</a:t>
-            </a:r>
-            <a:endParaRPr lang="en-US" sz="1400" dirty="0">
-              <a:latin typeface="Merriweather Black"/>
-              <a:ea typeface="Merriweather Black"/>
-              <a:cs typeface="Merriweather Black"/>
-              <a:sym typeface="Merriweather Black"/>
-            </a:endParaRPr>
-          </a:p>
-        </p:txBody>
-      </p:sp>
-      <p:sp>
-        <p:nvSpPr>
-          <p:cNvPr id="199" name="Google Shape;199;p27"/>
-          <p:cNvSpPr txBox="1"/>
-          <p:nvPr/>
-        </p:nvSpPr>
-        <p:spPr>
-          <a:xfrm>
-            <a:off x="6709825" y="4743300"/>
-            <a:ext cx="2434200" cy="400079"/>
-          </a:xfrm>
-          <a:prstGeom prst="rect">
-            <a:avLst/>
-          </a:prstGeom>
-          <a:solidFill>
-            <a:srgbClr val="B6D7A8"/>
-          </a:solidFill>
-          <a:ln>
-            <a:noFill/>
-          </a:ln>
-        </p:spPr>
-        <p:txBody>
-          <a:bodyPr spcFirstLastPara="1" wrap="square" lIns="91425" tIns="91425" rIns="91425" bIns="91425" anchor="t" anchorCtr="0">
-            <a:spAutoFit/>
-          </a:bodyPr>
-          <a:lstStyle/>
-          <a:p>
-            <a:pPr algn="ctr"/>
-            <a:r>
-              <a:rPr lang="en-GB" sz="1400" dirty="0">
-                <a:latin typeface="Merriweather Black"/>
-                <a:ea typeface="Merriweather Black"/>
-                <a:cs typeface="Merriweather Black"/>
-                <a:sym typeface="Merriweather Black"/>
-              </a:rPr>
-              <a:t>April 24, 2023</a:t>
-            </a:r>
-          </a:p>
-        </p:txBody>
-      </p:sp>
-      <p:sp>
-        <p:nvSpPr>
-          <p:cNvPr id="200" name="Google Shape;200;p27"/>
-          <p:cNvSpPr txBox="1"/>
-          <p:nvPr/>
-        </p:nvSpPr>
-        <p:spPr>
-          <a:xfrm>
-            <a:off x="1651025" y="1777975"/>
-            <a:ext cx="6096000" cy="1431600"/>
+        <p:spPr bwMode="auto">
+          <a:xfrm>
+            <a:off x="0" y="136267"/>
+            <a:ext cx="205505" cy="184666"/>
           </a:xfrm>
           <a:prstGeom prst="rect">
             <a:avLst/>
@@ -10429,67 +12141,86 @@
           <a:ln>
             <a:noFill/>
           </a:ln>
+          <a:effectLst/>
+          <a:extLst>
+            <a:ext uri="{909E8E84-426E-40DD-AFC4-6F175D3DCCD1}">
+              <a14:hiddenFill xmlns:a14="http://schemas.microsoft.com/office/drawing/2010/main">
+                <a:solidFill>
+                  <a:schemeClr val="accent1"/>
+                </a:solidFill>
+              </a14:hiddenFill>
+            </a:ext>
+            <a:ext uri="{91240B29-F687-4F45-9708-019B960494DF}">
+              <a14:hiddenLine xmlns:a14="http://schemas.microsoft.com/office/drawing/2010/main" w="9525">
+                <a:solidFill>
+                  <a:schemeClr val="tx1"/>
+                </a:solidFill>
+                <a:miter lim="800000"/>
+                <a:headEnd/>
+                <a:tailEnd/>
+              </a14:hiddenLine>
+            </a:ext>
+            <a:ext uri="{AF507438-7753-43E0-B8FC-AC1667EBCBE1}">
+              <a14:hiddenEffects xmlns:a14="http://schemas.microsoft.com/office/drawing/2010/main">
+                <a:effectLst>
+                  <a:outerShdw dist="35921" dir="2700000" algn="ctr" rotWithShape="0">
+                    <a:schemeClr val="bg2"/>
+                  </a:outerShdw>
+                </a:effectLst>
+              </a14:hiddenEffects>
+            </a:ext>
+          </a:extLst>
         </p:spPr>
         <p:txBody>
-          <a:bodyPr spcFirstLastPara="1" wrap="square" lIns="91425" tIns="91425" rIns="91425" bIns="91425" anchor="t" anchorCtr="0">
+          <a:bodyPr vert="horz" wrap="none" lIns="91440" tIns="45720" rIns="91440" bIns="45720" numCol="1" anchor="ctr" anchorCtr="0" compatLnSpc="1">
+            <a:prstTxWarp prst="textNoShape">
+              <a:avLst/>
+            </a:prstTxWarp>
             <a:spAutoFit/>
           </a:bodyPr>
           <a:lstStyle/>
           <a:p>
-            <a:pPr marL="0" lvl="0" indent="0" algn="l" rtl="0">
-              <a:spcBef>
-                <a:spcPts val="0"/>
-              </a:spcBef>
-              <a:spcAft>
-                <a:spcPts val="0"/>
-              </a:spcAft>
-              <a:buNone/>
+            <a:pPr marL="0" marR="0" lvl="0" indent="0" algn="l" defTabSz="914400" rtl="0" eaLnBrk="0" fontAlgn="base" latinLnBrk="0" hangingPunct="0">
+              <a:lnSpc>
+                <a:spcPct val="100000"/>
+              </a:lnSpc>
+              <a:spcBef>
+                <a:spcPct val="0"/>
+              </a:spcBef>
+              <a:spcAft>
+                <a:spcPct val="0"/>
+              </a:spcAft>
+              <a:buClrTx/>
+              <a:buSzTx/>
+              <a:buFontTx/>
+              <a:buNone/>
+              <a:tabLst/>
             </a:pPr>
             <a:r>
-              <a:rPr lang="en-GB" sz="8100">
-                <a:latin typeface="Merriweather Black"/>
-                <a:ea typeface="Merriweather Black"/>
-                <a:cs typeface="Merriweather Black"/>
-                <a:sym typeface="Merriweather Black"/>
+              <a:rPr kumimoji="0" lang="en-US" altLang="en-US" sz="600" b="0" i="0" u="none" strike="noStrike" cap="none" normalizeH="0" baseline="0" dirty="0">
+                <a:ln>
+                  <a:noFill/>
+                </a:ln>
+                <a:solidFill>
+                  <a:schemeClr val="tx1"/>
+                </a:solidFill>
+                <a:effectLst/>
               </a:rPr>
-              <a:t>Thank You</a:t>
+              <a:t> </a:t>
             </a:r>
-            <a:endParaRPr sz="8100">
-              <a:latin typeface="Merriweather Black"/>
-              <a:ea typeface="Merriweather Black"/>
-              <a:cs typeface="Merriweather Black"/>
-              <a:sym typeface="Merriweather Black"/>
+            <a:endParaRPr kumimoji="0" lang="en-US" altLang="en-US" sz="1800" b="0" i="0" u="none" strike="noStrike" cap="none" normalizeH="0" baseline="0" dirty="0">
+              <a:ln>
+                <a:noFill/>
+              </a:ln>
+              <a:solidFill>
+                <a:schemeClr val="tx1"/>
+              </a:solidFill>
+              <a:effectLst/>
+              <a:latin typeface="Arial" panose="020B0604020202020204" pitchFamily="34" charset="0"/>
             </a:endParaRPr>
           </a:p>
         </p:txBody>
       </p:sp>
-      <p:pic>
-        <p:nvPicPr>
-          <p:cNvPr id="201" name="Google Shape;201;p27"/>
-          <p:cNvPicPr preferRelativeResize="0"/>
-          <p:nvPr/>
-        </p:nvPicPr>
-        <p:blipFill rotWithShape="1">
-          <a:blip r:embed="rId3">
-            <a:alphaModFix/>
-          </a:blip>
-          <a:srcRect/>
-          <a:stretch/>
-        </p:blipFill>
-        <p:spPr>
-          <a:xfrm>
-            <a:off x="8456100" y="0"/>
-            <a:ext cx="687900" cy="554100"/>
-          </a:xfrm>
-          <a:prstGeom prst="rect">
-            <a:avLst/>
-          </a:prstGeom>
-          <a:noFill/>
-          <a:ln>
-            <a:noFill/>
-          </a:ln>
-        </p:spPr>
-      </p:pic>
     </p:spTree>
   </p:cSld>
   <p:clrMapOvr>
